--- a/fall11/slidesF11/slides13w.pptx
+++ b/fall11/slidesF11/slides13w.pptx
@@ -4764,7 +4764,11 @@
             </a:r>
             <a:r>
               <a:rPr lang="en-US" dirty="0" smtClean="0"/>
-              <a:t> 11F.</a:t>
+              <a:t> </a:t>
+            </a:r>
+            <a:r>
+              <a:rPr lang="en-US" dirty="0" smtClean="0"/>
+              <a:t>13W.</a:t>
             </a:r>
             <a:fld id="{17233D2A-0857-4415-88C1-423492E69A26}" type="slidenum">
               <a:rPr lang="en-US" smtClean="0"/>
@@ -4886,7 +4890,11 @@
             </a:r>
             <a:r>
               <a:rPr lang="en-US" dirty="0" smtClean="0"/>
-              <a:t> 11F.</a:t>
+              <a:t> </a:t>
+            </a:r>
+            <a:r>
+              <a:rPr lang="en-US" dirty="0" smtClean="0"/>
+              <a:t>13W.</a:t>
             </a:r>
             <a:fld id="{17233D2A-0857-4415-88C1-423492E69A26}" type="slidenum">
               <a:rPr lang="en-US" smtClean="0"/>
@@ -4996,7 +5004,11 @@
             </a:r>
             <a:r>
               <a:rPr lang="en-US" dirty="0" smtClean="0"/>
-              <a:t> 11F.</a:t>
+              <a:t> </a:t>
+            </a:r>
+            <a:r>
+              <a:rPr lang="en-US" dirty="0" smtClean="0"/>
+              <a:t>13W.</a:t>
             </a:r>
             <a:fld id="{17233D2A-0857-4415-88C1-423492E69A26}" type="slidenum">
               <a:rPr lang="en-US" smtClean="0"/>
@@ -5106,7 +5118,11 @@
             </a:r>
             <a:r>
               <a:rPr lang="en-US" dirty="0" smtClean="0"/>
-              <a:t> 11F.</a:t>
+              <a:t> </a:t>
+            </a:r>
+            <a:r>
+              <a:rPr lang="en-US" dirty="0" smtClean="0"/>
+              <a:t>13W.</a:t>
             </a:r>
             <a:fld id="{17233D2A-0857-4415-88C1-423492E69A26}" type="slidenum">
               <a:rPr lang="en-US" smtClean="0"/>
@@ -5216,7 +5232,11 @@
             </a:r>
             <a:r>
               <a:rPr lang="en-US" dirty="0" smtClean="0"/>
-              <a:t> 11F.</a:t>
+              <a:t> </a:t>
+            </a:r>
+            <a:r>
+              <a:rPr lang="en-US" dirty="0" smtClean="0"/>
+              <a:t>13W.</a:t>
             </a:r>
             <a:fld id="{17233D2A-0857-4415-88C1-423492E69A26}" type="slidenum">
               <a:rPr lang="en-US" smtClean="0"/>
@@ -5326,7 +5346,11 @@
             </a:r>
             <a:r>
               <a:rPr lang="en-US" dirty="0" smtClean="0"/>
-              <a:t> 11F.</a:t>
+              <a:t> </a:t>
+            </a:r>
+            <a:r>
+              <a:rPr lang="en-US" dirty="0" smtClean="0"/>
+              <a:t>13W.</a:t>
             </a:r>
             <a:fld id="{17233D2A-0857-4415-88C1-423492E69A26}" type="slidenum">
               <a:rPr lang="en-US" smtClean="0"/>
@@ -5436,7 +5460,11 @@
             </a:r>
             <a:r>
               <a:rPr lang="en-US" dirty="0" smtClean="0"/>
-              <a:t> 11F.</a:t>
+              <a:t> </a:t>
+            </a:r>
+            <a:r>
+              <a:rPr lang="en-US" dirty="0" smtClean="0"/>
+              <a:t>13W.</a:t>
             </a:r>
             <a:fld id="{17233D2A-0857-4415-88C1-423492E69A26}" type="slidenum">
               <a:rPr lang="en-US" smtClean="0"/>
@@ -5594,7 +5622,11 @@
             </a:r>
             <a:r>
               <a:rPr lang="en-US" dirty="0" smtClean="0"/>
-              <a:t> 11F.</a:t>
+              <a:t> </a:t>
+            </a:r>
+            <a:r>
+              <a:rPr lang="en-US" dirty="0" smtClean="0"/>
+              <a:t>13W.</a:t>
             </a:r>
             <a:fld id="{17233D2A-0857-4415-88C1-423492E69A26}" type="slidenum">
               <a:rPr lang="en-US" smtClean="0"/>
@@ -5704,7 +5736,11 @@
             </a:r>
             <a:r>
               <a:rPr lang="en-US" dirty="0" smtClean="0"/>
-              <a:t> 11F.</a:t>
+              <a:t> </a:t>
+            </a:r>
+            <a:r>
+              <a:rPr lang="en-US" dirty="0" smtClean="0"/>
+              <a:t>13W.</a:t>
             </a:r>
             <a:fld id="{17233D2A-0857-4415-88C1-423492E69A26}" type="slidenum">
               <a:rPr lang="en-US" smtClean="0"/>
@@ -5814,7 +5850,11 @@
             </a:r>
             <a:r>
               <a:rPr lang="en-US" dirty="0" smtClean="0"/>
-              <a:t> 11F.</a:t>
+              <a:t> </a:t>
+            </a:r>
+            <a:r>
+              <a:rPr lang="en-US" dirty="0" smtClean="0"/>
+              <a:t>13W.</a:t>
             </a:r>
             <a:fld id="{17233D2A-0857-4415-88C1-423492E69A26}" type="slidenum">
               <a:rPr lang="en-US" smtClean="0"/>
@@ -5976,7 +6016,11 @@
             </a:r>
             <a:r>
               <a:rPr lang="en-US" dirty="0" smtClean="0"/>
-              <a:t> 11F.</a:t>
+              <a:t> </a:t>
+            </a:r>
+            <a:r>
+              <a:rPr lang="en-US" dirty="0" smtClean="0"/>
+              <a:t>13W.</a:t>
             </a:r>
             <a:fld id="{17233D2A-0857-4415-88C1-423492E69A26}" type="slidenum">
               <a:rPr lang="en-US" smtClean="0"/>
@@ -6093,7 +6137,11 @@
             </a:r>
             <a:r>
               <a:rPr lang="en-US" dirty="0" smtClean="0"/>
-              <a:t> 11F.</a:t>
+              <a:t> </a:t>
+            </a:r>
+            <a:r>
+              <a:rPr lang="en-US" dirty="0" smtClean="0"/>
+              <a:t>13W.</a:t>
             </a:r>
             <a:fld id="{17233D2A-0857-4415-88C1-423492E69A26}" type="slidenum">
               <a:rPr lang="en-US" smtClean="0"/>
@@ -6203,7 +6251,11 @@
             </a:r>
             <a:r>
               <a:rPr lang="en-US" dirty="0" smtClean="0"/>
-              <a:t> 11F.</a:t>
+              <a:t> </a:t>
+            </a:r>
+            <a:r>
+              <a:rPr lang="en-US" dirty="0" smtClean="0"/>
+              <a:t>13W.</a:t>
             </a:r>
             <a:fld id="{17233D2A-0857-4415-88C1-423492E69A26}" type="slidenum">
               <a:rPr lang="en-US" smtClean="0"/>
@@ -6505,7 +6557,11 @@
             </a:r>
             <a:r>
               <a:rPr lang="en-US" dirty="0" smtClean="0"/>
-              <a:t> 11F.</a:t>
+              <a:t> </a:t>
+            </a:r>
+            <a:r>
+              <a:rPr lang="en-US" dirty="0" smtClean="0"/>
+              <a:t>13W.</a:t>
             </a:r>
             <a:fld id="{17233D2A-0857-4415-88C1-423492E69A26}" type="slidenum">
               <a:rPr lang="en-US" smtClean="0"/>
@@ -6599,7 +6655,11 @@
             </a:r>
             <a:r>
               <a:rPr lang="en-US" dirty="0" smtClean="0"/>
-              <a:t> 11F.</a:t>
+              <a:t> </a:t>
+            </a:r>
+            <a:r>
+              <a:rPr lang="en-US" dirty="0" smtClean="0"/>
+              <a:t>13W.</a:t>
             </a:r>
             <a:fld id="{17233D2A-0857-4415-88C1-423492E69A26}" type="slidenum">
               <a:rPr lang="en-US" smtClean="0"/>
@@ -6716,7 +6776,11 @@
             </a:r>
             <a:r>
               <a:rPr lang="en-US" dirty="0" smtClean="0"/>
-              <a:t> 11F.</a:t>
+              <a:t> </a:t>
+            </a:r>
+            <a:r>
+              <a:rPr lang="en-US" dirty="0" smtClean="0"/>
+              <a:t>13W.</a:t>
             </a:r>
             <a:fld id="{17233D2A-0857-4415-88C1-423492E69A26}" type="slidenum">
               <a:rPr lang="en-US" smtClean="0"/>
@@ -6826,7 +6890,11 @@
             </a:r>
             <a:r>
               <a:rPr lang="en-US" dirty="0" smtClean="0"/>
-              <a:t> 11F.</a:t>
+              <a:t> </a:t>
+            </a:r>
+            <a:r>
+              <a:rPr lang="en-US" dirty="0" smtClean="0"/>
+              <a:t>13W.</a:t>
             </a:r>
             <a:fld id="{17233D2A-0857-4415-88C1-423492E69A26}" type="slidenum">
               <a:rPr lang="en-US" smtClean="0"/>
@@ -7402,7 +7470,11 @@
             </a:r>
             <a:r>
               <a:rPr lang="en-US" dirty="0" smtClean="0"/>
-              <a:t> 11F.</a:t>
+              <a:t> </a:t>
+            </a:r>
+            <a:r>
+              <a:rPr lang="en-US" dirty="0" smtClean="0"/>
+              <a:t>13W.</a:t>
             </a:r>
             <a:fld id="{17233D2A-0857-4415-88C1-423492E69A26}" type="slidenum">
               <a:rPr lang="en-US" smtClean="0"/>
@@ -7609,7 +7681,11 @@
             </a:r>
             <a:r>
               <a:rPr lang="en-US" dirty="0" smtClean="0"/>
-              <a:t> 11F.</a:t>
+              <a:t> </a:t>
+            </a:r>
+            <a:r>
+              <a:rPr lang="en-US" dirty="0" smtClean="0"/>
+              <a:t>13W.</a:t>
             </a:r>
             <a:fld id="{17233D2A-0857-4415-88C1-423492E69A26}" type="slidenum">
               <a:rPr lang="en-US" smtClean="0"/>
@@ -7664,8 +7740,8 @@
         </p:nvSpPr>
         <p:spPr>
           <a:xfrm>
-            <a:off x="2971800" y="6553200"/>
-            <a:ext cx="3200400" cy="304800"/>
+            <a:off x="2819400" y="6477000"/>
+            <a:ext cx="3581400" cy="304800"/>
           </a:xfrm>
           <a:prstGeom prst="rect">
             <a:avLst/>
@@ -7705,7 +7781,37 @@
                 <a:uFillTx/>
                 <a:latin typeface="Comic Sans MS" pitchFamily="66" charset="0"/>
               </a:rPr>
-              <a:t>Albert R Meyer,                  April 22, 2011</a:t>
+              <a:t>Albert R Meyer,                 </a:t>
+            </a:r>
+            <a:r>
+              <a:rPr kumimoji="0" lang="en-US" sz="1200" b="0" i="0" u="none" strike="noStrike" kern="1200" cap="none" spc="0" normalizeH="0" baseline="0" noProof="0" dirty="0" smtClean="0">
+                <a:ln>
+                  <a:noFill/>
+                </a:ln>
+                <a:solidFill>
+                  <a:schemeClr val="tx1"/>
+                </a:solidFill>
+                <a:effectLst/>
+                <a:uLnTx/>
+                <a:uFillTx/>
+                <a:latin typeface="Comic Sans MS" pitchFamily="66" charset="0"/>
+              </a:rPr>
+              <a:t>November 30, </a:t>
+            </a:r>
+            <a:r>
+              <a:rPr kumimoji="0" lang="en-US" sz="1200" b="0" i="0" u="none" strike="noStrike" kern="1200" cap="none" spc="0" normalizeH="0" baseline="0" noProof="0" dirty="0" smtClean="0">
+                <a:ln>
+                  <a:noFill/>
+                </a:ln>
+                <a:solidFill>
+                  <a:schemeClr val="tx1"/>
+                </a:solidFill>
+                <a:effectLst/>
+                <a:uLnTx/>
+                <a:uFillTx/>
+                <a:latin typeface="Comic Sans MS" pitchFamily="66" charset="0"/>
+              </a:rPr>
+              <a:t>2011</a:t>
             </a:r>
             <a:endParaRPr kumimoji="0" lang="en-US" sz="1200" b="0" i="0" u="none" strike="noStrike" kern="1200" cap="none" spc="0" normalizeH="0" baseline="0" noProof="0" dirty="0">
               <a:ln>
@@ -8381,7 +8487,24 @@
                 <a:ea typeface="+mn-ea"/>
                 <a:cs typeface="+mn-cs"/>
               </a:rPr>
-              <a:t> 11F.</a:t>
+              <a:t> </a:t>
+            </a:r>
+            <a:r>
+              <a:rPr kumimoji="0" lang="en-US" sz="1000" b="0" i="0" u="none" strike="noStrike" kern="1200" cap="none" spc="0" normalizeH="0" baseline="0" noProof="0" dirty="0" smtClean="0">
+                <a:ln>
+                  <a:noFill/>
+                </a:ln>
+                <a:solidFill>
+                  <a:schemeClr val="tx1"/>
+                </a:solidFill>
+                <a:effectLst/>
+                <a:uLnTx/>
+                <a:uFillTx/>
+                <a:latin typeface="Comic Sans MS" pitchFamily="66" charset="0"/>
+                <a:ea typeface="+mn-ea"/>
+                <a:cs typeface="+mn-cs"/>
+              </a:rPr>
+              <a:t>13W.</a:t>
             </a:r>
             <a:fld id="{17233D2A-0857-4415-88C1-423492E69A26}" type="slidenum">
               <a:rPr kumimoji="0" lang="en-US" sz="1000" b="0" i="0" u="none" strike="noStrike" kern="1200" cap="none" spc="0" normalizeH="0" baseline="0" noProof="0" smtClean="0">
@@ -8787,7 +8910,24 @@
                 <a:ea typeface="+mn-ea"/>
                 <a:cs typeface="+mn-cs"/>
               </a:rPr>
-              <a:t> 11F.</a:t>
+              <a:t> </a:t>
+            </a:r>
+            <a:r>
+              <a:rPr kumimoji="0" lang="en-US" sz="1000" b="0" i="0" u="none" strike="noStrike" kern="1200" cap="none" spc="0" normalizeH="0" baseline="0" noProof="0" dirty="0" smtClean="0">
+                <a:ln>
+                  <a:noFill/>
+                </a:ln>
+                <a:solidFill>
+                  <a:schemeClr val="tx1"/>
+                </a:solidFill>
+                <a:effectLst/>
+                <a:uLnTx/>
+                <a:uFillTx/>
+                <a:latin typeface="Comic Sans MS" pitchFamily="66" charset="0"/>
+                <a:ea typeface="+mn-ea"/>
+                <a:cs typeface="+mn-cs"/>
+              </a:rPr>
+              <a:t>13W.</a:t>
             </a:r>
             <a:fld id="{17233D2A-0857-4415-88C1-423492E69A26}" type="slidenum">
               <a:rPr kumimoji="0" lang="en-US" sz="1000" b="0" i="0" u="none" strike="noStrike" kern="1200" cap="none" spc="0" normalizeH="0" baseline="0" noProof="0" smtClean="0">
@@ -9249,7 +9389,24 @@
                 <a:ea typeface="+mn-ea"/>
                 <a:cs typeface="+mn-cs"/>
               </a:rPr>
-              <a:t> 11F.</a:t>
+              <a:t> </a:t>
+            </a:r>
+            <a:r>
+              <a:rPr kumimoji="0" lang="en-US" sz="1000" b="0" i="0" u="none" strike="noStrike" kern="1200" cap="none" spc="0" normalizeH="0" baseline="0" noProof="0" dirty="0" smtClean="0">
+                <a:ln>
+                  <a:noFill/>
+                </a:ln>
+                <a:solidFill>
+                  <a:schemeClr val="tx1"/>
+                </a:solidFill>
+                <a:effectLst/>
+                <a:uLnTx/>
+                <a:uFillTx/>
+                <a:latin typeface="Comic Sans MS" pitchFamily="66" charset="0"/>
+                <a:ea typeface="+mn-ea"/>
+                <a:cs typeface="+mn-cs"/>
+              </a:rPr>
+              <a:t>13W.</a:t>
             </a:r>
             <a:fld id="{17233D2A-0857-4415-88C1-423492E69A26}" type="slidenum">
               <a:rPr kumimoji="0" lang="en-US" sz="1000" b="0" i="0" u="none" strike="noStrike" kern="1200" cap="none" spc="0" normalizeH="0" baseline="0" noProof="0" smtClean="0">
@@ -12596,7 +12753,11 @@
             </a:r>
             <a:r>
               <a:rPr lang="en-US" dirty="0" smtClean="0"/>
-              <a:t> 11F.</a:t>
+              <a:t> </a:t>
+            </a:r>
+            <a:r>
+              <a:rPr lang="en-US" dirty="0" smtClean="0"/>
+              <a:t>13W.</a:t>
             </a:r>
             <a:fld id="{17233D2A-0857-4415-88C1-423492E69A26}" type="slidenum">
               <a:rPr lang="en-US" smtClean="0"/>
@@ -15731,7 +15892,11 @@
             </a:r>
             <a:r>
               <a:rPr lang="en-US" dirty="0" smtClean="0"/>
-              <a:t> 11F.</a:t>
+              <a:t> </a:t>
+            </a:r>
+            <a:r>
+              <a:rPr lang="en-US" dirty="0" smtClean="0"/>
+              <a:t>13W.</a:t>
             </a:r>
             <a:fld id="{17233D2A-0857-4415-88C1-423492E69A26}" type="slidenum">
               <a:rPr lang="en-US" smtClean="0"/>
@@ -16166,7 +16331,24 @@
                 <a:ea typeface="+mn-ea"/>
                 <a:cs typeface="+mn-cs"/>
               </a:rPr>
-              <a:t> 11F.</a:t>
+              <a:t> </a:t>
+            </a:r>
+            <a:r>
+              <a:rPr kumimoji="0" lang="en-US" sz="1000" b="0" i="0" u="none" strike="noStrike" kern="1200" cap="none" spc="0" normalizeH="0" baseline="0" noProof="0" dirty="0" smtClean="0">
+                <a:ln>
+                  <a:noFill/>
+                </a:ln>
+                <a:solidFill>
+                  <a:schemeClr val="tx1"/>
+                </a:solidFill>
+                <a:effectLst/>
+                <a:uLnTx/>
+                <a:uFillTx/>
+                <a:latin typeface="Comic Sans MS" pitchFamily="66" charset="0"/>
+                <a:ea typeface="+mn-ea"/>
+                <a:cs typeface="+mn-cs"/>
+              </a:rPr>
+              <a:t>13W.</a:t>
             </a:r>
             <a:fld id="{17233D2A-0857-4415-88C1-423492E69A26}" type="slidenum">
               <a:rPr kumimoji="0" lang="en-US" sz="1000" b="0" i="0" u="none" strike="noStrike" kern="1200" cap="none" spc="0" normalizeH="0" baseline="0" noProof="0" smtClean="0">
@@ -16591,7 +16773,24 @@
                 <a:ea typeface="+mn-ea"/>
                 <a:cs typeface="+mn-cs"/>
               </a:rPr>
-              <a:t> 11F.</a:t>
+              <a:t> </a:t>
+            </a:r>
+            <a:r>
+              <a:rPr kumimoji="0" lang="en-US" sz="1000" b="0" i="0" u="none" strike="noStrike" kern="1200" cap="none" spc="0" normalizeH="0" baseline="0" noProof="0" dirty="0" smtClean="0">
+                <a:ln>
+                  <a:noFill/>
+                </a:ln>
+                <a:solidFill>
+                  <a:schemeClr val="tx1"/>
+                </a:solidFill>
+                <a:effectLst/>
+                <a:uLnTx/>
+                <a:uFillTx/>
+                <a:latin typeface="Comic Sans MS" pitchFamily="66" charset="0"/>
+                <a:ea typeface="+mn-ea"/>
+                <a:cs typeface="+mn-cs"/>
+              </a:rPr>
+              <a:t>13W.</a:t>
             </a:r>
             <a:fld id="{17233D2A-0857-4415-88C1-423492E69A26}" type="slidenum">
               <a:rPr kumimoji="0" lang="en-US" sz="1000" b="0" i="0" u="none" strike="noStrike" kern="1200" cap="none" spc="0" normalizeH="0" baseline="0" noProof="0" smtClean="0">
@@ -17014,7 +17213,24 @@
                 <a:ea typeface="+mn-ea"/>
                 <a:cs typeface="+mn-cs"/>
               </a:rPr>
-              <a:t> 11F.</a:t>
+              <a:t> </a:t>
+            </a:r>
+            <a:r>
+              <a:rPr kumimoji="0" lang="en-US" sz="1000" b="0" i="0" u="none" strike="noStrike" kern="1200" cap="none" spc="0" normalizeH="0" baseline="0" noProof="0" dirty="0" smtClean="0">
+                <a:ln>
+                  <a:noFill/>
+                </a:ln>
+                <a:solidFill>
+                  <a:schemeClr val="tx1"/>
+                </a:solidFill>
+                <a:effectLst/>
+                <a:uLnTx/>
+                <a:uFillTx/>
+                <a:latin typeface="Comic Sans MS" pitchFamily="66" charset="0"/>
+                <a:ea typeface="+mn-ea"/>
+                <a:cs typeface="+mn-cs"/>
+              </a:rPr>
+              <a:t>13W.</a:t>
             </a:r>
             <a:fld id="{17233D2A-0857-4415-88C1-423492E69A26}" type="slidenum">
               <a:rPr kumimoji="0" lang="en-US" sz="1000" b="0" i="0" u="none" strike="noStrike" kern="1200" cap="none" spc="0" normalizeH="0" baseline="0" noProof="0" smtClean="0">
@@ -22165,7 +22381,11 @@
             </a:r>
             <a:r>
               <a:rPr lang="en-US" dirty="0" smtClean="0"/>
-              <a:t> 11F.</a:t>
+              <a:t> </a:t>
+            </a:r>
+            <a:r>
+              <a:rPr lang="en-US" dirty="0" smtClean="0"/>
+              <a:t>13W.</a:t>
             </a:r>
             <a:fld id="{17233D2A-0857-4415-88C1-423492E69A26}" type="slidenum">
               <a:rPr lang="en-US" smtClean="0"/>
@@ -23612,7 +23832,24 @@
                 <a:ea typeface="+mn-ea"/>
                 <a:cs typeface="+mn-cs"/>
               </a:rPr>
-              <a:t> 11F.</a:t>
+              <a:t> </a:t>
+            </a:r>
+            <a:r>
+              <a:rPr kumimoji="0" lang="en-US" sz="1000" b="0" i="0" u="none" strike="noStrike" kern="1200" cap="none" spc="0" normalizeH="0" baseline="0" noProof="0" dirty="0" smtClean="0">
+                <a:ln>
+                  <a:noFill/>
+                </a:ln>
+                <a:solidFill>
+                  <a:schemeClr val="tx1"/>
+                </a:solidFill>
+                <a:effectLst/>
+                <a:uLnTx/>
+                <a:uFillTx/>
+                <a:latin typeface="Comic Sans MS" pitchFamily="66" charset="0"/>
+                <a:ea typeface="+mn-ea"/>
+                <a:cs typeface="+mn-cs"/>
+              </a:rPr>
+              <a:t>13W.</a:t>
             </a:r>
             <a:fld id="{17233D2A-0857-4415-88C1-423492E69A26}" type="slidenum">
               <a:rPr kumimoji="0" lang="en-US" sz="1000" b="0" i="0" u="none" strike="noStrike" kern="1200" cap="none" spc="0" normalizeH="0" baseline="0" noProof="0" smtClean="0">
@@ -23997,7 +24234,24 @@
                 <a:ea typeface="+mn-ea"/>
                 <a:cs typeface="+mn-cs"/>
               </a:rPr>
-              <a:t> 11F.</a:t>
+              <a:t> </a:t>
+            </a:r>
+            <a:r>
+              <a:rPr kumimoji="0" lang="en-US" sz="1000" b="0" i="0" u="none" strike="noStrike" kern="1200" cap="none" spc="0" normalizeH="0" baseline="0" noProof="0" dirty="0" smtClean="0">
+                <a:ln>
+                  <a:noFill/>
+                </a:ln>
+                <a:solidFill>
+                  <a:schemeClr val="tx1"/>
+                </a:solidFill>
+                <a:effectLst/>
+                <a:uLnTx/>
+                <a:uFillTx/>
+                <a:latin typeface="Comic Sans MS" pitchFamily="66" charset="0"/>
+                <a:ea typeface="+mn-ea"/>
+                <a:cs typeface="+mn-cs"/>
+              </a:rPr>
+              <a:t>13W.</a:t>
             </a:r>
             <a:fld id="{17233D2A-0857-4415-88C1-423492E69A26}" type="slidenum">
               <a:rPr kumimoji="0" lang="en-US" sz="1000" b="0" i="0" u="none" strike="noStrike" kern="1200" cap="none" spc="0" normalizeH="0" baseline="0" noProof="0" smtClean="0">
@@ -24573,7 +24827,24 @@
                 <a:ea typeface="+mn-ea"/>
                 <a:cs typeface="+mn-cs"/>
               </a:rPr>
-              <a:t> 11F.</a:t>
+              <a:t> </a:t>
+            </a:r>
+            <a:r>
+              <a:rPr kumimoji="0" lang="en-US" sz="1000" b="0" i="0" u="none" strike="noStrike" kern="1200" cap="none" spc="0" normalizeH="0" baseline="0" noProof="0" dirty="0" smtClean="0">
+                <a:ln>
+                  <a:noFill/>
+                </a:ln>
+                <a:solidFill>
+                  <a:schemeClr val="tx1"/>
+                </a:solidFill>
+                <a:effectLst/>
+                <a:uLnTx/>
+                <a:uFillTx/>
+                <a:latin typeface="Comic Sans MS" pitchFamily="66" charset="0"/>
+                <a:ea typeface="+mn-ea"/>
+                <a:cs typeface="+mn-cs"/>
+              </a:rPr>
+              <a:t>13W.</a:t>
             </a:r>
             <a:fld id="{17233D2A-0857-4415-88C1-423492E69A26}" type="slidenum">
               <a:rPr kumimoji="0" lang="en-US" sz="1000" b="0" i="0" u="none" strike="noStrike" kern="1200" cap="none" spc="0" normalizeH="0" baseline="0" noProof="0" smtClean="0">
@@ -25146,7 +25417,7 @@
           <a:graphicData uri="http://schemas.openxmlformats.org/presentationml/2006/ole">
             <mc:AlternateContent xmlns:mc="http://schemas.openxmlformats.org/markup-compatibility/2006">
               <mc:Choice xmlns:v="urn:schemas-microsoft-com:vml" Requires="v">
-                <p:oleObj spid="_x0000_s308230" name="Equation" r:id="rId4" imgW="291960" imgH="939600" progId="Equation.DSMT4">
+                <p:oleObj spid="_x0000_s308237" name="Equation" r:id="rId4" imgW="291960" imgH="939600" progId="Equation.DSMT4">
                   <p:embed/>
                 </p:oleObj>
               </mc:Choice>
@@ -25216,7 +25487,7 @@
           <a:graphicData uri="http://schemas.openxmlformats.org/presentationml/2006/ole">
             <mc:AlternateContent xmlns:mc="http://schemas.openxmlformats.org/markup-compatibility/2006">
               <mc:Choice xmlns:v="urn:schemas-microsoft-com:vml" Requires="v">
-                <p:oleObj spid="_x0000_s308231" name="Equation" r:id="rId6" imgW="291960" imgH="939600" progId="Equation.DSMT4">
+                <p:oleObj spid="_x0000_s308238" name="Equation" r:id="rId6" imgW="291960" imgH="939600" progId="Equation.DSMT4">
                   <p:embed/>
                 </p:oleObj>
               </mc:Choice>
@@ -25465,7 +25736,7 @@
             <a:graphicData uri="http://schemas.openxmlformats.org/presentationml/2006/ole">
               <mc:AlternateContent xmlns:mc="http://schemas.openxmlformats.org/markup-compatibility/2006">
                 <mc:Choice xmlns:v="urn:schemas-microsoft-com:vml" Requires="v">
-                  <p:oleObj spid="_x0000_s308232" name="Equation" r:id="rId8" imgW="609480" imgH="939600" progId="Equation.DSMT4">
+                  <p:oleObj spid="_x0000_s308239" name="Equation" r:id="rId8" imgW="609480" imgH="939600" progId="Equation.DSMT4">
                     <p:embed/>
                   </p:oleObj>
                 </mc:Choice>
@@ -25607,7 +25878,24 @@
                 <a:ea typeface="+mn-ea"/>
                 <a:cs typeface="+mn-cs"/>
               </a:rPr>
-              <a:t> 11F.</a:t>
+              <a:t> </a:t>
+            </a:r>
+            <a:r>
+              <a:rPr kumimoji="0" lang="en-US" sz="1000" b="0" i="0" u="none" strike="noStrike" kern="1200" cap="none" spc="0" normalizeH="0" baseline="0" noProof="0" dirty="0" smtClean="0">
+                <a:ln>
+                  <a:noFill/>
+                </a:ln>
+                <a:solidFill>
+                  <a:schemeClr val="tx1"/>
+                </a:solidFill>
+                <a:effectLst/>
+                <a:uLnTx/>
+                <a:uFillTx/>
+                <a:latin typeface="Comic Sans MS" pitchFamily="66" charset="0"/>
+                <a:ea typeface="+mn-ea"/>
+                <a:cs typeface="+mn-cs"/>
+              </a:rPr>
+              <a:t>13W.</a:t>
             </a:r>
             <a:fld id="{17233D2A-0857-4415-88C1-423492E69A26}" type="slidenum">
               <a:rPr kumimoji="0" lang="en-US" sz="1000" b="0" i="0" u="none" strike="noStrike" kern="1200" cap="none" spc="0" normalizeH="0" baseline="0" noProof="0" smtClean="0">
@@ -26353,7 +26641,24 @@
                 <a:ea typeface="+mn-ea"/>
                 <a:cs typeface="+mn-cs"/>
               </a:rPr>
-              <a:t> 11F.</a:t>
+              <a:t> </a:t>
+            </a:r>
+            <a:r>
+              <a:rPr kumimoji="0" lang="en-US" sz="1000" b="0" i="0" u="none" strike="noStrike" kern="1200" cap="none" spc="0" normalizeH="0" baseline="0" noProof="0" dirty="0" smtClean="0">
+                <a:ln>
+                  <a:noFill/>
+                </a:ln>
+                <a:solidFill>
+                  <a:schemeClr val="tx1"/>
+                </a:solidFill>
+                <a:effectLst/>
+                <a:uLnTx/>
+                <a:uFillTx/>
+                <a:latin typeface="Comic Sans MS" pitchFamily="66" charset="0"/>
+                <a:ea typeface="+mn-ea"/>
+                <a:cs typeface="+mn-cs"/>
+              </a:rPr>
+              <a:t>13W.</a:t>
             </a:r>
             <a:fld id="{17233D2A-0857-4415-88C1-423492E69A26}" type="slidenum">
               <a:rPr kumimoji="0" lang="en-US" sz="1000" b="0" i="0" u="none" strike="noStrike" kern="1200" cap="none" spc="0" normalizeH="0" baseline="0" noProof="0" smtClean="0">
@@ -26422,7 +26727,7 @@
           <a:graphicData uri="http://schemas.openxmlformats.org/presentationml/2006/ole">
             <mc:AlternateContent xmlns:mc="http://schemas.openxmlformats.org/markup-compatibility/2006">
               <mc:Choice xmlns:v="urn:schemas-microsoft-com:vml" Requires="v">
-                <p:oleObj spid="_x0000_s283655" name="Equation" r:id="rId4" imgW="914400" imgH="406400" progId="Equation.DSMT4">
+                <p:oleObj spid="_x0000_s283658" name="Equation" r:id="rId4" imgW="914400" imgH="406400" progId="Equation.DSMT4">
                   <p:embed/>
                 </p:oleObj>
               </mc:Choice>
@@ -26994,7 +27299,24 @@
                 <a:ea typeface="+mn-ea"/>
                 <a:cs typeface="+mn-cs"/>
               </a:rPr>
-              <a:t> 11F.</a:t>
+              <a:t> </a:t>
+            </a:r>
+            <a:r>
+              <a:rPr kumimoji="0" lang="en-US" sz="1000" b="0" i="0" u="none" strike="noStrike" kern="1200" cap="none" spc="0" normalizeH="0" baseline="0" noProof="0" dirty="0" smtClean="0">
+                <a:ln>
+                  <a:noFill/>
+                </a:ln>
+                <a:solidFill>
+                  <a:schemeClr val="tx1"/>
+                </a:solidFill>
+                <a:effectLst/>
+                <a:uLnTx/>
+                <a:uFillTx/>
+                <a:latin typeface="Comic Sans MS" pitchFamily="66" charset="0"/>
+                <a:ea typeface="+mn-ea"/>
+                <a:cs typeface="+mn-cs"/>
+              </a:rPr>
+              <a:t>13W.</a:t>
             </a:r>
             <a:fld id="{17233D2A-0857-4415-88C1-423492E69A26}" type="slidenum">
               <a:rPr kumimoji="0" lang="en-US" sz="1000" b="0" i="0" u="none" strike="noStrike" kern="1200" cap="none" spc="0" normalizeH="0" baseline="0" noProof="0" smtClean="0">
@@ -27063,7 +27385,7 @@
           <a:graphicData uri="http://schemas.openxmlformats.org/presentationml/2006/ole">
             <mc:AlternateContent xmlns:mc="http://schemas.openxmlformats.org/markup-compatibility/2006">
               <mc:Choice xmlns:v="urn:schemas-microsoft-com:vml" Requires="v">
-                <p:oleObj spid="_x0000_s332804" name="Equation" r:id="rId4" imgW="1295400" imgH="406400" progId="Equation.DSMT4">
+                <p:oleObj spid="_x0000_s332807" name="Equation" r:id="rId4" imgW="1295400" imgH="406400" progId="Equation.DSMT4">
                   <p:embed/>
                 </p:oleObj>
               </mc:Choice>
@@ -27719,7 +28041,24 @@
                 <a:ea typeface="+mn-ea"/>
                 <a:cs typeface="+mn-cs"/>
               </a:rPr>
-              <a:t> 11F.</a:t>
+              <a:t> </a:t>
+            </a:r>
+            <a:r>
+              <a:rPr kumimoji="0" lang="en-US" sz="1000" b="0" i="0" u="none" strike="noStrike" kern="1200" cap="none" spc="0" normalizeH="0" baseline="0" noProof="0" dirty="0" smtClean="0">
+                <a:ln>
+                  <a:noFill/>
+                </a:ln>
+                <a:solidFill>
+                  <a:schemeClr val="tx1"/>
+                </a:solidFill>
+                <a:effectLst/>
+                <a:uLnTx/>
+                <a:uFillTx/>
+                <a:latin typeface="Comic Sans MS" pitchFamily="66" charset="0"/>
+                <a:ea typeface="+mn-ea"/>
+                <a:cs typeface="+mn-cs"/>
+              </a:rPr>
+              <a:t>13W.</a:t>
             </a:r>
             <a:fld id="{17233D2A-0857-4415-88C1-423492E69A26}" type="slidenum">
               <a:rPr kumimoji="0" lang="en-US" sz="1000" b="0" i="0" u="none" strike="noStrike" kern="1200" cap="none" spc="0" normalizeH="0" baseline="0" noProof="0" smtClean="0">
@@ -28342,7 +28681,24 @@
                 <a:ea typeface="+mn-ea"/>
                 <a:cs typeface="+mn-cs"/>
               </a:rPr>
-              <a:t> 11F.</a:t>
+              <a:t> </a:t>
+            </a:r>
+            <a:r>
+              <a:rPr kumimoji="0" lang="en-US" sz="1000" b="0" i="0" u="none" strike="noStrike" kern="1200" cap="none" spc="0" normalizeH="0" baseline="0" noProof="0" dirty="0" smtClean="0">
+                <a:ln>
+                  <a:noFill/>
+                </a:ln>
+                <a:solidFill>
+                  <a:schemeClr val="tx1"/>
+                </a:solidFill>
+                <a:effectLst/>
+                <a:uLnTx/>
+                <a:uFillTx/>
+                <a:latin typeface="Comic Sans MS" pitchFamily="66" charset="0"/>
+                <a:ea typeface="+mn-ea"/>
+                <a:cs typeface="+mn-cs"/>
+              </a:rPr>
+              <a:t>13W.</a:t>
             </a:r>
             <a:fld id="{17233D2A-0857-4415-88C1-423492E69A26}" type="slidenum">
               <a:rPr kumimoji="0" lang="en-US" sz="1000" b="0" i="0" u="none" strike="noStrike" kern="1200" cap="none" spc="0" normalizeH="0" baseline="0" noProof="0" smtClean="0">
@@ -28693,7 +29049,7 @@
           <a:graphicData uri="http://schemas.openxmlformats.org/presentationml/2006/ole">
             <mc:AlternateContent xmlns:mc="http://schemas.openxmlformats.org/markup-compatibility/2006">
               <mc:Choice xmlns:v="urn:schemas-microsoft-com:vml" Requires="v">
-                <p:oleObj spid="_x0000_s247812" name="Equation" r:id="rId4" imgW="1955520" imgH="482400" progId="Equation.DSMT4">
+                <p:oleObj spid="_x0000_s247815" name="Equation" r:id="rId4" imgW="1955520" imgH="482400" progId="Equation.DSMT4">
                   <p:embed/>
                 </p:oleObj>
               </mc:Choice>
@@ -28834,7 +29190,24 @@
                 <a:ea typeface="+mn-ea"/>
                 <a:cs typeface="+mn-cs"/>
               </a:rPr>
-              <a:t> 11F.</a:t>
+              <a:t> </a:t>
+            </a:r>
+            <a:r>
+              <a:rPr kumimoji="0" lang="en-US" sz="1000" b="0" i="0" u="none" strike="noStrike" kern="1200" cap="none" spc="0" normalizeH="0" baseline="0" noProof="0" dirty="0" smtClean="0">
+                <a:ln>
+                  <a:noFill/>
+                </a:ln>
+                <a:solidFill>
+                  <a:schemeClr val="tx1"/>
+                </a:solidFill>
+                <a:effectLst/>
+                <a:uLnTx/>
+                <a:uFillTx/>
+                <a:latin typeface="Comic Sans MS" pitchFamily="66" charset="0"/>
+                <a:ea typeface="+mn-ea"/>
+                <a:cs typeface="+mn-cs"/>
+              </a:rPr>
+              <a:t>13W.</a:t>
             </a:r>
             <a:fld id="{17233D2A-0857-4415-88C1-423492E69A26}" type="slidenum">
               <a:rPr kumimoji="0" lang="en-US" sz="1000" b="0" i="0" u="none" strike="noStrike" kern="1200" cap="none" spc="0" normalizeH="0" baseline="0" noProof="0" smtClean="0">
@@ -29504,7 +29877,24 @@
                 <a:ea typeface="+mn-ea"/>
                 <a:cs typeface="+mn-cs"/>
               </a:rPr>
-              <a:t> 11F.</a:t>
+              <a:t> </a:t>
+            </a:r>
+            <a:r>
+              <a:rPr kumimoji="0" lang="en-US" sz="1000" b="0" i="0" u="none" strike="noStrike" kern="1200" cap="none" spc="0" normalizeH="0" baseline="0" noProof="0" dirty="0" smtClean="0">
+                <a:ln>
+                  <a:noFill/>
+                </a:ln>
+                <a:solidFill>
+                  <a:schemeClr val="tx1"/>
+                </a:solidFill>
+                <a:effectLst/>
+                <a:uLnTx/>
+                <a:uFillTx/>
+                <a:latin typeface="Comic Sans MS" pitchFamily="66" charset="0"/>
+                <a:ea typeface="+mn-ea"/>
+                <a:cs typeface="+mn-cs"/>
+              </a:rPr>
+              <a:t>13W.</a:t>
             </a:r>
             <a:fld id="{17233D2A-0857-4415-88C1-423492E69A26}" type="slidenum">
               <a:rPr kumimoji="0" lang="en-US" sz="1000" b="0" i="0" u="none" strike="noStrike" kern="1200" cap="none" spc="0" normalizeH="0" baseline="0" noProof="0" smtClean="0">
@@ -30154,7 +30544,24 @@
                 <a:ea typeface="+mn-ea"/>
                 <a:cs typeface="+mn-cs"/>
               </a:rPr>
-              <a:t> 11F.</a:t>
+              <a:t> </a:t>
+            </a:r>
+            <a:r>
+              <a:rPr kumimoji="0" lang="en-US" sz="1000" b="0" i="0" u="none" strike="noStrike" kern="1200" cap="none" spc="0" normalizeH="0" baseline="0" noProof="0" dirty="0" smtClean="0">
+                <a:ln>
+                  <a:noFill/>
+                </a:ln>
+                <a:solidFill>
+                  <a:schemeClr val="tx1"/>
+                </a:solidFill>
+                <a:effectLst/>
+                <a:uLnTx/>
+                <a:uFillTx/>
+                <a:latin typeface="Comic Sans MS" pitchFamily="66" charset="0"/>
+                <a:ea typeface="+mn-ea"/>
+                <a:cs typeface="+mn-cs"/>
+              </a:rPr>
+              <a:t>13W.</a:t>
             </a:r>
             <a:fld id="{17233D2A-0857-4415-88C1-423492E69A26}" type="slidenum">
               <a:rPr kumimoji="0" lang="en-US" sz="1000" b="0" i="0" u="none" strike="noStrike" kern="1200" cap="none" spc="0" normalizeH="0" baseline="0" noProof="0" smtClean="0">
@@ -30631,7 +31038,24 @@
                 <a:ea typeface="+mn-ea"/>
                 <a:cs typeface="+mn-cs"/>
               </a:rPr>
-              <a:t> 11F.</a:t>
+              <a:t> </a:t>
+            </a:r>
+            <a:r>
+              <a:rPr kumimoji="0" lang="en-US" sz="1000" b="0" i="0" u="none" strike="noStrike" kern="1200" cap="none" spc="0" normalizeH="0" baseline="0" noProof="0" dirty="0" smtClean="0">
+                <a:ln>
+                  <a:noFill/>
+                </a:ln>
+                <a:solidFill>
+                  <a:srgbClr val="0000FF"/>
+                </a:solidFill>
+                <a:effectLst/>
+                <a:uLnTx/>
+                <a:uFillTx/>
+                <a:latin typeface="Comic Sans MS" pitchFamily="66" charset="0"/>
+                <a:ea typeface="+mn-ea"/>
+                <a:cs typeface="+mn-cs"/>
+              </a:rPr>
+              <a:t>13W.</a:t>
             </a:r>
             <a:fld id="{17233D2A-0857-4415-88C1-423492E69A26}" type="slidenum">
               <a:rPr kumimoji="0" lang="en-US" sz="1000" b="0" i="0" u="none" strike="noStrike" kern="1200" cap="none" spc="0" normalizeH="0" baseline="0" noProof="0" smtClean="0">
@@ -30700,7 +31124,7 @@
           <a:graphicData uri="http://schemas.openxmlformats.org/presentationml/2006/ole">
             <mc:AlternateContent xmlns:mc="http://schemas.openxmlformats.org/markup-compatibility/2006">
               <mc:Choice xmlns:v="urn:schemas-microsoft-com:vml" Requires="v">
-                <p:oleObj spid="_x0000_s297988" name="Equation" r:id="rId8" imgW="2628900" imgH="1219200" progId="Equation.DSMT4">
+                <p:oleObj spid="_x0000_s297991" name="Equation" r:id="rId8" imgW="2628900" imgH="1219200" progId="Equation.DSMT4">
                   <p:embed/>
                 </p:oleObj>
               </mc:Choice>
@@ -30867,7 +31291,7 @@
           <a:graphicData uri="http://schemas.openxmlformats.org/presentationml/2006/ole">
             <mc:AlternateContent xmlns:mc="http://schemas.openxmlformats.org/markup-compatibility/2006">
               <mc:Choice xmlns:v="urn:schemas-microsoft-com:vml" Requires="v">
-                <p:oleObj spid="_x0000_s249860" name="Equation" r:id="rId4" imgW="1002960" imgH="457200" progId="Equation.DSMT4">
+                <p:oleObj spid="_x0000_s249863" name="Equation" r:id="rId4" imgW="1002960" imgH="457200" progId="Equation.DSMT4">
                   <p:embed/>
                 </p:oleObj>
               </mc:Choice>
@@ -31008,7 +31432,24 @@
                 <a:ea typeface="+mn-ea"/>
                 <a:cs typeface="+mn-cs"/>
               </a:rPr>
-              <a:t> 11F.</a:t>
+              <a:t> </a:t>
+            </a:r>
+            <a:r>
+              <a:rPr kumimoji="0" lang="en-US" sz="1000" b="0" i="0" u="none" strike="noStrike" kern="1200" cap="none" spc="0" normalizeH="0" baseline="0" noProof="0" dirty="0" smtClean="0">
+                <a:ln>
+                  <a:noFill/>
+                </a:ln>
+                <a:solidFill>
+                  <a:schemeClr val="tx1"/>
+                </a:solidFill>
+                <a:effectLst/>
+                <a:uLnTx/>
+                <a:uFillTx/>
+                <a:latin typeface="Comic Sans MS" pitchFamily="66" charset="0"/>
+                <a:ea typeface="+mn-ea"/>
+                <a:cs typeface="+mn-cs"/>
+              </a:rPr>
+              <a:t>13W.</a:t>
             </a:r>
             <a:fld id="{17233D2A-0857-4415-88C1-423492E69A26}" type="slidenum">
               <a:rPr kumimoji="0" lang="en-US" sz="1000" b="0" i="0" u="none" strike="noStrike" kern="1200" cap="none" spc="0" normalizeH="0" baseline="0" noProof="0" smtClean="0">
@@ -31386,7 +31827,7 @@
       </p:sp>
       <p:pic>
         <p:nvPicPr>
-          <p:cNvPr id="25613" name="Object 13"/>
+          <p:cNvPr id="1030" name="Picture 4" descr="sl12212"/>
           <p:cNvPicPr>
             <a:picLocks noChangeAspect="1" noChangeArrowheads="1"/>
           </p:cNvPicPr>
@@ -31394,32 +31835,6 @@
         </p:nvPicPr>
         <p:blipFill>
           <a:blip r:embed="rId4"/>
-          <a:srcRect/>
-          <a:stretch>
-            <a:fillRect/>
-          </a:stretch>
-        </p:blipFill>
-        <p:spPr bwMode="auto">
-          <a:xfrm>
-            <a:off x="1951038" y="3205163"/>
-            <a:ext cx="2492375" cy="1246187"/>
-          </a:xfrm>
-          <a:prstGeom prst="rect">
-            <a:avLst/>
-          </a:prstGeom>
-          <a:noFill/>
-        </p:spPr>
-      </p:pic>
-      <p:pic>
-        <p:nvPicPr>
-          <p:cNvPr id="1030" name="Picture 4" descr="sl12212"/>
-          <p:cNvPicPr>
-            <a:picLocks noChangeAspect="1" noChangeArrowheads="1"/>
-          </p:cNvPicPr>
-          <p:nvPr/>
-        </p:nvPicPr>
-        <p:blipFill>
-          <a:blip r:embed="rId5"/>
           <a:srcRect/>
           <a:stretch>
             <a:fillRect/>
@@ -31442,32 +31857,6 @@
           </a:ln>
         </p:spPr>
       </p:pic>
-      <p:pic>
-        <p:nvPicPr>
-          <p:cNvPr id="25615" name="Object 15"/>
-          <p:cNvPicPr>
-            <a:picLocks noChangeAspect="1" noChangeArrowheads="1"/>
-          </p:cNvPicPr>
-          <p:nvPr/>
-        </p:nvPicPr>
-        <p:blipFill>
-          <a:blip r:embed="rId6"/>
-          <a:srcRect/>
-          <a:stretch>
-            <a:fillRect/>
-          </a:stretch>
-        </p:blipFill>
-        <p:spPr bwMode="auto">
-          <a:xfrm>
-            <a:off x="4797425" y="4157663"/>
-            <a:ext cx="1801813" cy="2198687"/>
-          </a:xfrm>
-          <a:prstGeom prst="rect">
-            <a:avLst/>
-          </a:prstGeom>
-          <a:noFill/>
-        </p:spPr>
-      </p:pic>
       <p:sp>
         <p:nvSpPr>
           <p:cNvPr id="25617" name="Text Box 17"/>
@@ -31637,7 +32026,24 @@
                 <a:ea typeface="+mn-ea"/>
                 <a:cs typeface="+mn-cs"/>
               </a:rPr>
-              <a:t> 11F.</a:t>
+              <a:t> </a:t>
+            </a:r>
+            <a:r>
+              <a:rPr kumimoji="0" lang="en-US" sz="1000" b="0" i="0" u="none" strike="noStrike" kern="1200" cap="none" spc="0" normalizeH="0" baseline="0" noProof="0" dirty="0" smtClean="0">
+                <a:ln>
+                  <a:noFill/>
+                </a:ln>
+                <a:solidFill>
+                  <a:schemeClr val="tx1"/>
+                </a:solidFill>
+                <a:effectLst/>
+                <a:uLnTx/>
+                <a:uFillTx/>
+                <a:latin typeface="Comic Sans MS" pitchFamily="66" charset="0"/>
+                <a:ea typeface="+mn-ea"/>
+                <a:cs typeface="+mn-cs"/>
+              </a:rPr>
+              <a:t>13W.</a:t>
             </a:r>
             <a:fld id="{17233D2A-0857-4415-88C1-423492E69A26}" type="slidenum">
               <a:rPr kumimoji="0" lang="en-US" sz="1000" b="0" i="0" u="none" strike="noStrike" kern="1200" cap="none" spc="0" normalizeH="0" baseline="0" noProof="0" smtClean="0">
@@ -31696,7 +32102,13 @@
           <p:cNvGraphicFramePr>
             <a:graphicFrameLocks noChangeAspect="1"/>
           </p:cNvGraphicFramePr>
-          <p:nvPr/>
+          <p:nvPr>
+            <p:extLst>
+              <p:ext uri="{D42A27DB-BD31-4B8C-83A1-F6EECF244321}">
+                <p14:modId xmlns:p14="http://schemas.microsoft.com/office/powerpoint/2010/main" val="1283911336"/>
+              </p:ext>
+            </p:extLst>
+          </p:nvPr>
         </p:nvGraphicFramePr>
         <p:xfrm>
           <a:off x="2895600" y="838200"/>
@@ -31706,12 +32118,12 @@
           <a:graphicData uri="http://schemas.openxmlformats.org/presentationml/2006/ole">
             <mc:AlternateContent xmlns:mc="http://schemas.openxmlformats.org/markup-compatibility/2006">
               <mc:Choice xmlns:v="urn:schemas-microsoft-com:vml" Requires="v">
-                <p:oleObj spid="_x0000_s34820" name="Equation" r:id="rId7" imgW="317500" imgH="533400" progId="Equation.DSMT4">
+                <p:oleObj spid="_x0000_s34825" name="Equation" r:id="rId5" imgW="317500" imgH="533400" progId="Equation.DSMT4">
                   <p:embed/>
                 </p:oleObj>
               </mc:Choice>
               <mc:Fallback>
-                <p:oleObj name="Equation" r:id="rId7" imgW="317500" imgH="533400" progId="Equation.DSMT4">
+                <p:oleObj name="Equation" r:id="rId5" imgW="317500" imgH="533400" progId="Equation.DSMT4">
                   <p:embed/>
                   <p:pic>
                     <p:nvPicPr>
@@ -31722,13 +32134,7 @@
                       <p:nvPr/>
                     </p:nvPicPr>
                     <p:blipFill>
-                      <a:blip r:embed="rId8">
-                        <a:extLst>
-                          <a:ext uri="{28A0092B-C50C-407E-A947-70E740481C1C}">
-                            <a14:useLocalDpi xmlns:a14="http://schemas.microsoft.com/office/drawing/2010/main" val="0"/>
-                          </a:ext>
-                        </a:extLst>
-                      </a:blip>
+                      <a:blip r:embed="rId6"/>
                       <a:srcRect/>
                       <a:stretch>
                         <a:fillRect/>
@@ -31752,6 +32158,130 @@
                           </a14:hiddenFill>
                         </a:ext>
                       </a:extLst>
+                    </p:spPr>
+                  </p:pic>
+                </p:oleObj>
+              </mc:Fallback>
+            </mc:AlternateContent>
+          </a:graphicData>
+        </a:graphic>
+      </p:graphicFrame>
+      <p:graphicFrame>
+        <p:nvGraphicFramePr>
+          <p:cNvPr id="11" name="Object 10"/>
+          <p:cNvGraphicFramePr>
+            <a:graphicFrameLocks noChangeAspect="1"/>
+          </p:cNvGraphicFramePr>
+          <p:nvPr>
+            <p:extLst>
+              <p:ext uri="{D42A27DB-BD31-4B8C-83A1-F6EECF244321}">
+                <p14:modId xmlns:p14="http://schemas.microsoft.com/office/powerpoint/2010/main" val="3798334739"/>
+              </p:ext>
+            </p:extLst>
+          </p:nvPr>
+        </p:nvGraphicFramePr>
+        <p:xfrm>
+          <a:off x="1981200" y="3021600"/>
+          <a:ext cx="2514600" cy="1702800"/>
+        </p:xfrm>
+        <a:graphic>
+          <a:graphicData uri="http://schemas.openxmlformats.org/presentationml/2006/ole">
+            <mc:AlternateContent xmlns:mc="http://schemas.openxmlformats.org/markup-compatibility/2006">
+              <mc:Choice xmlns:v="urn:schemas-microsoft-com:vml" Requires="v">
+                <p:oleObj spid="_x0000_s34826" name="Equation" r:id="rId7" imgW="787400" imgH="533400" progId="Equation.DSMT4">
+                  <p:embed/>
+                </p:oleObj>
+              </mc:Choice>
+              <mc:Fallback>
+                <p:oleObj name="Equation" r:id="rId7" imgW="787400" imgH="533400" progId="Equation.DSMT4">
+                  <p:embed/>
+                  <p:pic>
+                    <p:nvPicPr>
+                      <p:cNvPr id="0" name=""/>
+                      <p:cNvPicPr>
+                        <a:picLocks noChangeAspect="1" noChangeArrowheads="1"/>
+                      </p:cNvPicPr>
+                      <p:nvPr/>
+                    </p:nvPicPr>
+                    <p:blipFill>
+                      <a:blip r:embed="rId8"/>
+                      <a:srcRect/>
+                      <a:stretch>
+                        <a:fillRect/>
+                      </a:stretch>
+                    </p:blipFill>
+                    <p:spPr bwMode="auto">
+                      <a:xfrm>
+                        <a:off x="1981200" y="3021600"/>
+                        <a:ext cx="2514600" cy="1702800"/>
+                      </a:xfrm>
+                      <a:prstGeom prst="rect">
+                        <a:avLst/>
+                      </a:prstGeom>
+                      <a:noFill/>
+                      <a:extLst/>
+                    </p:spPr>
+                  </p:pic>
+                </p:oleObj>
+              </mc:Fallback>
+            </mc:AlternateContent>
+          </a:graphicData>
+        </a:graphic>
+      </p:graphicFrame>
+      <p:graphicFrame>
+        <p:nvGraphicFramePr>
+          <p:cNvPr id="12" name="Object 11"/>
+          <p:cNvGraphicFramePr>
+            <a:graphicFrameLocks noChangeAspect="1"/>
+          </p:cNvGraphicFramePr>
+          <p:nvPr>
+            <p:extLst>
+              <p:ext uri="{D42A27DB-BD31-4B8C-83A1-F6EECF244321}">
+                <p14:modId xmlns:p14="http://schemas.microsoft.com/office/powerpoint/2010/main" val="2217393309"/>
+              </p:ext>
+            </p:extLst>
+          </p:nvPr>
+        </p:nvGraphicFramePr>
+        <p:xfrm>
+          <a:off x="5029200" y="4114800"/>
+          <a:ext cx="1752600" cy="2191019"/>
+        </p:xfrm>
+        <a:graphic>
+          <a:graphicData uri="http://schemas.openxmlformats.org/presentationml/2006/ole">
+            <mc:AlternateContent xmlns:mc="http://schemas.openxmlformats.org/markup-compatibility/2006">
+              <mc:Choice xmlns:v="urn:schemas-microsoft-com:vml" Requires="v">
+                <p:oleObj spid="_x0000_s34827" name="Equation" r:id="rId9" imgW="812800" imgH="1016000" progId="Equation.DSMT4">
+                  <p:embed/>
+                </p:oleObj>
+              </mc:Choice>
+              <mc:Fallback>
+                <p:oleObj name="Equation" r:id="rId9" imgW="812800" imgH="1016000" progId="Equation.DSMT4">
+                  <p:embed/>
+                  <p:pic>
+                    <p:nvPicPr>
+                      <p:cNvPr id="0" name=""/>
+                      <p:cNvPicPr>
+                        <a:picLocks noChangeAspect="1" noChangeArrowheads="1"/>
+                      </p:cNvPicPr>
+                      <p:nvPr/>
+                    </p:nvPicPr>
+                    <p:blipFill>
+                      <a:blip r:embed="rId10"/>
+                      <a:srcRect/>
+                      <a:stretch>
+                        <a:fillRect/>
+                      </a:stretch>
+                    </p:blipFill>
+                    <p:spPr bwMode="auto">
+                      <a:xfrm>
+                        <a:off x="5029200" y="4114800"/>
+                        <a:ext cx="1752600" cy="2191019"/>
+                      </a:xfrm>
+                      <a:prstGeom prst="rect">
+                        <a:avLst/>
+                      </a:prstGeom>
+                      <a:noFill/>
+                      <a:extLst/>
                     </p:spPr>
                   </p:pic>
                 </p:oleObj>
@@ -31789,7 +32319,7 @@
                             </p:stCondLst>
                             <p:childTnLst>
                               <p:par>
-                                <p:cTn id="5" presetID="1" presetClass="entr" presetSubtype="0" fill="hold" nodeType="clickEffect">
+                                <p:cTn id="5" presetID="22" presetClass="entr" presetSubtype="8" fill="hold" nodeType="clickEffect">
                                   <p:stCondLst>
                                     <p:cond delay="0"/>
                                   </p:stCondLst>
@@ -31816,42 +32346,36 @@
                                         <p:strVal val="visible"/>
                                       </p:to>
                                     </p:set>
+                                    <p:animEffect transition="in" filter="wipe(left)">
+                                      <p:cBhvr>
+                                        <p:cTn id="7" dur="500"/>
+                                        <p:tgtEl>
+                                          <p:spTgt spid="25606">
+                                            <p:txEl>
+                                              <p:pRg st="3" end="3"/>
+                                            </p:txEl>
+                                          </p:spTgt>
+                                        </p:tgtEl>
+                                      </p:cBhvr>
+                                    </p:animEffect>
                                   </p:childTnLst>
                                 </p:cTn>
                               </p:par>
-                            </p:childTnLst>
-                          </p:cTn>
-                        </p:par>
-                      </p:childTnLst>
-                    </p:cTn>
-                  </p:par>
-                  <p:par>
-                    <p:cTn id="7" fill="hold">
-                      <p:stCondLst>
-                        <p:cond delay="indefinite"/>
-                      </p:stCondLst>
-                      <p:childTnLst>
-                        <p:par>
-                          <p:cTn id="8" fill="hold">
-                            <p:stCondLst>
-                              <p:cond delay="0"/>
-                            </p:stCondLst>
-                            <p:childTnLst>
                               <p:par>
-                                <p:cTn id="9" presetID="1" presetClass="entr" presetSubtype="0" fill="hold" nodeType="clickEffect">
+                                <p:cTn id="8" presetID="22" presetClass="entr" presetSubtype="8" fill="hold" nodeType="withEffect">
                                   <p:stCondLst>
                                     <p:cond delay="0"/>
                                   </p:stCondLst>
                                   <p:childTnLst>
                                     <p:set>
                                       <p:cBhvr>
-                                        <p:cTn id="10" dur="1" fill="hold">
+                                        <p:cTn id="9" dur="1" fill="hold">
                                           <p:stCondLst>
                                             <p:cond delay="0"/>
                                           </p:stCondLst>
                                         </p:cTn>
                                         <p:tgtEl>
-                                          <p:spTgt spid="25613"/>
+                                          <p:spTgt spid="11"/>
                                         </p:tgtEl>
                                         <p:attrNameLst>
                                           <p:attrName>style.visibility</p:attrName>
@@ -31861,6 +32385,14 @@
                                         <p:strVal val="visible"/>
                                       </p:to>
                                     </p:set>
+                                    <p:animEffect transition="in" filter="wipe(left)">
+                                      <p:cBhvr>
+                                        <p:cTn id="10" dur="500"/>
+                                        <p:tgtEl>
+                                          <p:spTgt spid="11"/>
+                                        </p:tgtEl>
+                                      </p:cBhvr>
+                                    </p:animEffect>
                                   </p:childTnLst>
                                 </p:cTn>
                               </p:par>
@@ -31883,7 +32415,7 @@
                             </p:stCondLst>
                             <p:childTnLst>
                               <p:par>
-                                <p:cTn id="13" presetID="1" presetClass="entr" presetSubtype="0" fill="hold" nodeType="clickEffect">
+                                <p:cTn id="13" presetID="22" presetClass="entr" presetSubtype="8" fill="hold" nodeType="clickEffect">
                                   <p:stCondLst>
                                     <p:cond delay="0"/>
                                   </p:stCondLst>
@@ -31910,24 +32442,45 @@
                                         <p:strVal val="visible"/>
                                       </p:to>
                                     </p:set>
+                                    <p:animEffect transition="in" filter="wipe(left)">
+                                      <p:cBhvr>
+                                        <p:cTn id="15" dur="500"/>
+                                        <p:tgtEl>
+                                          <p:spTgt spid="25606">
+                                            <p:txEl>
+                                              <p:pRg st="5" end="5"/>
+                                            </p:txEl>
+                                          </p:spTgt>
+                                        </p:tgtEl>
+                                      </p:cBhvr>
+                                    </p:animEffect>
                                   </p:childTnLst>
                                 </p:cTn>
                               </p:par>
+                            </p:childTnLst>
+                          </p:cTn>
+                        </p:par>
+                        <p:par>
+                          <p:cTn id="16" fill="hold">
+                            <p:stCondLst>
+                              <p:cond delay="500"/>
+                            </p:stCondLst>
+                            <p:childTnLst>
                               <p:par>
-                                <p:cTn id="15" presetID="1" presetClass="entr" presetSubtype="0" fill="hold" nodeType="withEffect">
+                                <p:cTn id="17" presetID="22" presetClass="entr" presetSubtype="8" fill="hold" nodeType="afterEffect">
                                   <p:stCondLst>
                                     <p:cond delay="0"/>
                                   </p:stCondLst>
                                   <p:childTnLst>
                                     <p:set>
                                       <p:cBhvr>
-                                        <p:cTn id="16" dur="1" fill="hold">
+                                        <p:cTn id="18" dur="1" fill="hold">
                                           <p:stCondLst>
                                             <p:cond delay="0"/>
                                           </p:stCondLst>
                                         </p:cTn>
                                         <p:tgtEl>
-                                          <p:spTgt spid="25615"/>
+                                          <p:spTgt spid="12"/>
                                         </p:tgtEl>
                                         <p:attrNameLst>
                                           <p:attrName>style.visibility</p:attrName>
@@ -31937,18 +32490,35 @@
                                         <p:strVal val="visible"/>
                                       </p:to>
                                     </p:set>
+                                    <p:animEffect transition="in" filter="wipe(left)">
+                                      <p:cBhvr>
+                                        <p:cTn id="19" dur="500"/>
+                                        <p:tgtEl>
+                                          <p:spTgt spid="12"/>
+                                        </p:tgtEl>
+                                      </p:cBhvr>
+                                    </p:animEffect>
                                   </p:childTnLst>
                                 </p:cTn>
                               </p:par>
+                            </p:childTnLst>
+                          </p:cTn>
+                        </p:par>
+                        <p:par>
+                          <p:cTn id="20" fill="hold">
+                            <p:stCondLst>
+                              <p:cond delay="1000"/>
+                            </p:stCondLst>
+                            <p:childTnLst>
                               <p:par>
-                                <p:cTn id="17" presetID="1" presetClass="entr" presetSubtype="0" fill="hold" grpId="0" nodeType="withEffect">
+                                <p:cTn id="21" presetID="9" presetClass="entr" presetSubtype="0" fill="hold" grpId="0" nodeType="afterEffect">
                                   <p:stCondLst>
                                     <p:cond delay="0"/>
                                   </p:stCondLst>
                                   <p:childTnLst>
                                     <p:set>
                                       <p:cBhvr>
-                                        <p:cTn id="18" dur="1" fill="hold">
+                                        <p:cTn id="22" dur="1" fill="hold">
                                           <p:stCondLst>
                                             <p:cond delay="0"/>
                                           </p:stCondLst>
@@ -31964,6 +32534,14 @@
                                         <p:strVal val="visible"/>
                                       </p:to>
                                     </p:set>
+                                    <p:animEffect transition="in" filter="dissolve">
+                                      <p:cBhvr>
+                                        <p:cTn id="23" dur="500"/>
+                                        <p:tgtEl>
+                                          <p:spTgt spid="25617"/>
+                                        </p:tgtEl>
+                                      </p:cBhvr>
+                                    </p:animEffect>
                                   </p:childTnLst>
                                 </p:cTn>
                               </p:par>
@@ -32256,7 +32834,24 @@
                 <a:ea typeface="+mn-ea"/>
                 <a:cs typeface="+mn-cs"/>
               </a:rPr>
-              <a:t> 11F.</a:t>
+              <a:t> </a:t>
+            </a:r>
+            <a:r>
+              <a:rPr kumimoji="0" lang="en-US" sz="1000" b="0" i="0" u="none" strike="noStrike" kern="1200" cap="none" spc="0" normalizeH="0" baseline="0" noProof="0" dirty="0" smtClean="0">
+                <a:ln>
+                  <a:noFill/>
+                </a:ln>
+                <a:solidFill>
+                  <a:schemeClr val="tx1"/>
+                </a:solidFill>
+                <a:effectLst/>
+                <a:uLnTx/>
+                <a:uFillTx/>
+                <a:latin typeface="Comic Sans MS" pitchFamily="66" charset="0"/>
+                <a:ea typeface="+mn-ea"/>
+                <a:cs typeface="+mn-cs"/>
+              </a:rPr>
+              <a:t>13W.</a:t>
             </a:r>
             <a:fld id="{17233D2A-0857-4415-88C1-423492E69A26}" type="slidenum">
               <a:rPr kumimoji="0" lang="en-US" sz="1000" b="0" i="0" u="none" strike="noStrike" kern="1200" cap="none" spc="0" normalizeH="0" baseline="0" noProof="0" smtClean="0">
@@ -32576,7 +33171,7 @@
           <a:graphicData uri="http://schemas.openxmlformats.org/presentationml/2006/ole">
             <mc:AlternateContent xmlns:mc="http://schemas.openxmlformats.org/markup-compatibility/2006">
               <mc:Choice xmlns:v="urn:schemas-microsoft-com:vml" Requires="v">
-                <p:oleObj spid="_x0000_s250884" name="Equation" r:id="rId12" imgW="1485900" imgH="762000" progId="Equation.DSMT4">
+                <p:oleObj spid="_x0000_s250887" name="Equation" r:id="rId12" imgW="1485900" imgH="762000" progId="Equation.DSMT4">
                   <p:embed/>
                 </p:oleObj>
               </mc:Choice>
@@ -32717,7 +33312,24 @@
                 <a:ea typeface="+mn-ea"/>
                 <a:cs typeface="+mn-cs"/>
               </a:rPr>
-              <a:t> 11F.</a:t>
+              <a:t> </a:t>
+            </a:r>
+            <a:r>
+              <a:rPr kumimoji="0" lang="en-US" sz="1000" b="0" i="0" u="none" strike="noStrike" kern="1200" cap="none" spc="0" normalizeH="0" baseline="0" noProof="0" dirty="0" smtClean="0">
+                <a:ln>
+                  <a:noFill/>
+                </a:ln>
+                <a:solidFill>
+                  <a:schemeClr val="tx1"/>
+                </a:solidFill>
+                <a:effectLst/>
+                <a:uLnTx/>
+                <a:uFillTx/>
+                <a:latin typeface="Comic Sans MS" pitchFamily="66" charset="0"/>
+                <a:ea typeface="+mn-ea"/>
+                <a:cs typeface="+mn-cs"/>
+              </a:rPr>
+              <a:t>13W.</a:t>
             </a:r>
             <a:fld id="{17233D2A-0857-4415-88C1-423492E69A26}" type="slidenum">
               <a:rPr kumimoji="0" lang="en-US" sz="1000" b="0" i="0" u="none" strike="noStrike" kern="1200" cap="none" spc="0" normalizeH="0" baseline="0" noProof="0" smtClean="0">
@@ -33030,7 +33642,24 @@
                 <a:ea typeface="+mn-ea"/>
                 <a:cs typeface="+mn-cs"/>
               </a:rPr>
-              <a:t> 11F.</a:t>
+              <a:t> </a:t>
+            </a:r>
+            <a:r>
+              <a:rPr kumimoji="0" lang="en-US" sz="1000" b="0" i="0" u="none" strike="noStrike" kern="1200" cap="none" spc="0" normalizeH="0" baseline="0" noProof="0" dirty="0" smtClean="0">
+                <a:ln>
+                  <a:noFill/>
+                </a:ln>
+                <a:solidFill>
+                  <a:schemeClr val="tx1"/>
+                </a:solidFill>
+                <a:effectLst/>
+                <a:uLnTx/>
+                <a:uFillTx/>
+                <a:latin typeface="Comic Sans MS" pitchFamily="66" charset="0"/>
+                <a:ea typeface="+mn-ea"/>
+                <a:cs typeface="+mn-cs"/>
+              </a:rPr>
+              <a:t>13W.</a:t>
             </a:r>
             <a:fld id="{17233D2A-0857-4415-88C1-423492E69A26}" type="slidenum">
               <a:rPr kumimoji="0" lang="en-US" sz="1000" b="0" i="0" u="none" strike="noStrike" kern="1200" cap="none" spc="0" normalizeH="0" baseline="0" noProof="0" smtClean="0">
@@ -33353,7 +33982,7 @@
           <a:graphicData uri="http://schemas.openxmlformats.org/presentationml/2006/ole">
             <mc:AlternateContent xmlns:mc="http://schemas.openxmlformats.org/markup-compatibility/2006">
               <mc:Choice xmlns:v="urn:schemas-microsoft-com:vml" Requires="v">
-                <p:oleObj spid="_x0000_s245764" name="Equation" r:id="rId4" imgW="2412720" imgH="469800" progId="Equation.DSMT4">
+                <p:oleObj spid="_x0000_s245767" name="Equation" r:id="rId4" imgW="2412720" imgH="469800" progId="Equation.DSMT4">
                   <p:embed/>
                 </p:oleObj>
               </mc:Choice>
@@ -33494,7 +34123,24 @@
                 <a:ea typeface="+mn-ea"/>
                 <a:cs typeface="+mn-cs"/>
               </a:rPr>
-              <a:t> 11F.</a:t>
+              <a:t> </a:t>
+            </a:r>
+            <a:r>
+              <a:rPr kumimoji="0" lang="en-US" sz="1000" b="0" i="0" u="none" strike="noStrike" kern="1200" cap="none" spc="0" normalizeH="0" baseline="0" noProof="0" dirty="0" smtClean="0">
+                <a:ln>
+                  <a:noFill/>
+                </a:ln>
+                <a:solidFill>
+                  <a:schemeClr val="tx1"/>
+                </a:solidFill>
+                <a:effectLst/>
+                <a:uLnTx/>
+                <a:uFillTx/>
+                <a:latin typeface="Comic Sans MS" pitchFamily="66" charset="0"/>
+                <a:ea typeface="+mn-ea"/>
+                <a:cs typeface="+mn-cs"/>
+              </a:rPr>
+              <a:t>13W.</a:t>
             </a:r>
             <a:fld id="{17233D2A-0857-4415-88C1-423492E69A26}" type="slidenum">
               <a:rPr kumimoji="0" lang="en-US" sz="1000" b="0" i="0" u="none" strike="noStrike" kern="1200" cap="none" spc="0" normalizeH="0" baseline="0" noProof="0" smtClean="0">
@@ -33968,7 +34614,24 @@
                 <a:ea typeface="+mn-ea"/>
                 <a:cs typeface="+mn-cs"/>
               </a:rPr>
-              <a:t> 11F.</a:t>
+              <a:t> </a:t>
+            </a:r>
+            <a:r>
+              <a:rPr kumimoji="0" lang="en-US" sz="1000" b="0" i="0" u="none" strike="noStrike" kern="1200" cap="none" spc="0" normalizeH="0" baseline="0" noProof="0" dirty="0" smtClean="0">
+                <a:ln>
+                  <a:noFill/>
+                </a:ln>
+                <a:solidFill>
+                  <a:schemeClr val="tx1"/>
+                </a:solidFill>
+                <a:effectLst/>
+                <a:uLnTx/>
+                <a:uFillTx/>
+                <a:latin typeface="Comic Sans MS" pitchFamily="66" charset="0"/>
+                <a:ea typeface="+mn-ea"/>
+                <a:cs typeface="+mn-cs"/>
+              </a:rPr>
+              <a:t>13W.</a:t>
             </a:r>
             <a:fld id="{17233D2A-0857-4415-88C1-423492E69A26}" type="slidenum">
               <a:rPr kumimoji="0" lang="en-US" sz="1000" b="0" i="0" u="none" strike="noStrike" kern="1200" cap="none" spc="0" normalizeH="0" baseline="0" noProof="0" smtClean="0">
@@ -34247,7 +34910,24 @@
                 <a:ea typeface="+mn-ea"/>
                 <a:cs typeface="+mn-cs"/>
               </a:rPr>
-              <a:t> 11F.</a:t>
+              <a:t> </a:t>
+            </a:r>
+            <a:r>
+              <a:rPr kumimoji="0" lang="en-US" sz="1000" b="0" i="0" u="none" strike="noStrike" kern="1200" cap="none" spc="0" normalizeH="0" baseline="0" noProof="0" dirty="0" smtClean="0">
+                <a:ln>
+                  <a:noFill/>
+                </a:ln>
+                <a:solidFill>
+                  <a:schemeClr val="tx1"/>
+                </a:solidFill>
+                <a:effectLst/>
+                <a:uLnTx/>
+                <a:uFillTx/>
+                <a:latin typeface="Comic Sans MS" pitchFamily="66" charset="0"/>
+                <a:ea typeface="+mn-ea"/>
+                <a:cs typeface="+mn-cs"/>
+              </a:rPr>
+              <a:t>13W.</a:t>
             </a:r>
             <a:fld id="{17233D2A-0857-4415-88C1-423492E69A26}" type="slidenum">
               <a:rPr kumimoji="0" lang="en-US" sz="1000" b="0" i="0" u="none" strike="noStrike" kern="1200" cap="none" spc="0" normalizeH="0" baseline="0" noProof="0" smtClean="0">
@@ -34305,7 +34985,18 @@
   <p:clrMapOvr>
     <a:masterClrMapping/>
   </p:clrMapOvr>
-  <p:transition xmlns:p14="http://schemas.microsoft.com/office/powerpoint/2010/main"/>
+  <mc:AlternateContent xmlns:mc="http://schemas.openxmlformats.org/markup-compatibility/2006">
+    <mc:Choice xmlns:p14="http://schemas.microsoft.com/office/powerpoint/2010/main" Requires="p14">
+      <p:transition spd="med" p14:dur="700">
+        <p:fade/>
+      </p:transition>
+    </mc:Choice>
+    <mc:Fallback>
+      <p:transition xmlns:p14="http://schemas.microsoft.com/office/powerpoint/2010/main" spd="med">
+        <p:fade/>
+      </p:transition>
+    </mc:Fallback>
+  </mc:AlternateContent>
   <p:timing>
     <p:tnLst>
       <p:par>
@@ -34604,7 +35295,24 @@
                 <a:ea typeface="+mn-ea"/>
                 <a:cs typeface="+mn-cs"/>
               </a:rPr>
-              <a:t> 11F.</a:t>
+              <a:t> </a:t>
+            </a:r>
+            <a:r>
+              <a:rPr kumimoji="0" lang="en-US" sz="1000" b="0" i="0" u="none" strike="noStrike" kern="1200" cap="none" spc="0" normalizeH="0" baseline="0" noProof="0" dirty="0" smtClean="0">
+                <a:ln>
+                  <a:noFill/>
+                </a:ln>
+                <a:solidFill>
+                  <a:schemeClr val="tx1"/>
+                </a:solidFill>
+                <a:effectLst/>
+                <a:uLnTx/>
+                <a:uFillTx/>
+                <a:latin typeface="Comic Sans MS" pitchFamily="66" charset="0"/>
+                <a:ea typeface="+mn-ea"/>
+                <a:cs typeface="+mn-cs"/>
+              </a:rPr>
+              <a:t>13W.</a:t>
             </a:r>
             <a:fld id="{17233D2A-0857-4415-88C1-423492E69A26}" type="slidenum">
               <a:rPr kumimoji="0" lang="en-US" sz="1000" b="0" i="0" u="none" strike="noStrike" kern="1200" cap="none" spc="0" normalizeH="0" baseline="0" noProof="0" smtClean="0">
@@ -34967,7 +35675,24 @@
                 <a:ea typeface="+mn-ea"/>
                 <a:cs typeface="+mn-cs"/>
               </a:rPr>
-              <a:t> 11F.</a:t>
+              <a:t> </a:t>
+            </a:r>
+            <a:r>
+              <a:rPr kumimoji="0" lang="en-US" sz="1000" b="0" i="0" u="none" strike="noStrike" kern="1200" cap="none" spc="0" normalizeH="0" baseline="0" noProof="0" dirty="0" smtClean="0">
+                <a:ln>
+                  <a:noFill/>
+                </a:ln>
+                <a:solidFill>
+                  <a:schemeClr val="tx1"/>
+                </a:solidFill>
+                <a:effectLst/>
+                <a:uLnTx/>
+                <a:uFillTx/>
+                <a:latin typeface="Comic Sans MS" pitchFamily="66" charset="0"/>
+                <a:ea typeface="+mn-ea"/>
+                <a:cs typeface="+mn-cs"/>
+              </a:rPr>
+              <a:t>13W.</a:t>
             </a:r>
             <a:fld id="{17233D2A-0857-4415-88C1-423492E69A26}" type="slidenum">
               <a:rPr kumimoji="0" lang="en-US" sz="1000" b="0" i="0" u="none" strike="noStrike" kern="1200" cap="none" spc="0" normalizeH="0" baseline="0" noProof="0" smtClean="0">
@@ -35481,7 +36206,24 @@
                 <a:ea typeface="+mn-ea"/>
                 <a:cs typeface="+mn-cs"/>
               </a:rPr>
-              <a:t> 11F.</a:t>
+              <a:t> </a:t>
+            </a:r>
+            <a:r>
+              <a:rPr kumimoji="0" lang="en-US" sz="1000" b="0" i="0" u="none" strike="noStrike" kern="1200" cap="none" spc="0" normalizeH="0" baseline="0" noProof="0" dirty="0" smtClean="0">
+                <a:ln>
+                  <a:noFill/>
+                </a:ln>
+                <a:solidFill>
+                  <a:schemeClr val="tx1"/>
+                </a:solidFill>
+                <a:effectLst/>
+                <a:uLnTx/>
+                <a:uFillTx/>
+                <a:latin typeface="Comic Sans MS" pitchFamily="66" charset="0"/>
+                <a:ea typeface="+mn-ea"/>
+                <a:cs typeface="+mn-cs"/>
+              </a:rPr>
+              <a:t>13W.</a:t>
             </a:r>
             <a:fld id="{17233D2A-0857-4415-88C1-423492E69A26}" type="slidenum">
               <a:rPr kumimoji="0" lang="en-US" sz="1000" b="0" i="0" u="none" strike="noStrike" kern="1200" cap="none" spc="0" normalizeH="0" baseline="0" noProof="0" smtClean="0">

--- a/fall11/slidesF11/slides13w.pptx
+++ b/fall11/slidesF11/slides13w.pptx
@@ -4764,11 +4764,7 @@
             </a:r>
             <a:r>
               <a:rPr lang="en-US" dirty="0" smtClean="0"/>
-              <a:t> </a:t>
-            </a:r>
-            <a:r>
-              <a:rPr lang="en-US" dirty="0" smtClean="0"/>
-              <a:t>13W.</a:t>
+              <a:t> 13W.</a:t>
             </a:r>
             <a:fld id="{17233D2A-0857-4415-88C1-423492E69A26}" type="slidenum">
               <a:rPr lang="en-US" smtClean="0"/>
@@ -4890,11 +4886,7 @@
             </a:r>
             <a:r>
               <a:rPr lang="en-US" dirty="0" smtClean="0"/>
-              <a:t> </a:t>
-            </a:r>
-            <a:r>
-              <a:rPr lang="en-US" dirty="0" smtClean="0"/>
-              <a:t>13W.</a:t>
+              <a:t> 13W.</a:t>
             </a:r>
             <a:fld id="{17233D2A-0857-4415-88C1-423492E69A26}" type="slidenum">
               <a:rPr lang="en-US" smtClean="0"/>
@@ -5004,11 +4996,7 @@
             </a:r>
             <a:r>
               <a:rPr lang="en-US" dirty="0" smtClean="0"/>
-              <a:t> </a:t>
-            </a:r>
-            <a:r>
-              <a:rPr lang="en-US" dirty="0" smtClean="0"/>
-              <a:t>13W.</a:t>
+              <a:t> 13W.</a:t>
             </a:r>
             <a:fld id="{17233D2A-0857-4415-88C1-423492E69A26}" type="slidenum">
               <a:rPr lang="en-US" smtClean="0"/>
@@ -5118,11 +5106,7 @@
             </a:r>
             <a:r>
               <a:rPr lang="en-US" dirty="0" smtClean="0"/>
-              <a:t> </a:t>
-            </a:r>
-            <a:r>
-              <a:rPr lang="en-US" dirty="0" smtClean="0"/>
-              <a:t>13W.</a:t>
+              <a:t> 13W.</a:t>
             </a:r>
             <a:fld id="{17233D2A-0857-4415-88C1-423492E69A26}" type="slidenum">
               <a:rPr lang="en-US" smtClean="0"/>
@@ -5232,11 +5216,7 @@
             </a:r>
             <a:r>
               <a:rPr lang="en-US" dirty="0" smtClean="0"/>
-              <a:t> </a:t>
-            </a:r>
-            <a:r>
-              <a:rPr lang="en-US" dirty="0" smtClean="0"/>
-              <a:t>13W.</a:t>
+              <a:t> 13W.</a:t>
             </a:r>
             <a:fld id="{17233D2A-0857-4415-88C1-423492E69A26}" type="slidenum">
               <a:rPr lang="en-US" smtClean="0"/>
@@ -5346,11 +5326,7 @@
             </a:r>
             <a:r>
               <a:rPr lang="en-US" dirty="0" smtClean="0"/>
-              <a:t> </a:t>
-            </a:r>
-            <a:r>
-              <a:rPr lang="en-US" dirty="0" smtClean="0"/>
-              <a:t>13W.</a:t>
+              <a:t> 13W.</a:t>
             </a:r>
             <a:fld id="{17233D2A-0857-4415-88C1-423492E69A26}" type="slidenum">
               <a:rPr lang="en-US" smtClean="0"/>
@@ -5460,11 +5436,7 @@
             </a:r>
             <a:r>
               <a:rPr lang="en-US" dirty="0" smtClean="0"/>
-              <a:t> </a:t>
-            </a:r>
-            <a:r>
-              <a:rPr lang="en-US" dirty="0" smtClean="0"/>
-              <a:t>13W.</a:t>
+              <a:t> 13W.</a:t>
             </a:r>
             <a:fld id="{17233D2A-0857-4415-88C1-423492E69A26}" type="slidenum">
               <a:rPr lang="en-US" smtClean="0"/>
@@ -5622,11 +5594,7 @@
             </a:r>
             <a:r>
               <a:rPr lang="en-US" dirty="0" smtClean="0"/>
-              <a:t> </a:t>
-            </a:r>
-            <a:r>
-              <a:rPr lang="en-US" dirty="0" smtClean="0"/>
-              <a:t>13W.</a:t>
+              <a:t> 13W.</a:t>
             </a:r>
             <a:fld id="{17233D2A-0857-4415-88C1-423492E69A26}" type="slidenum">
               <a:rPr lang="en-US" smtClean="0"/>
@@ -5736,11 +5704,7 @@
             </a:r>
             <a:r>
               <a:rPr lang="en-US" dirty="0" smtClean="0"/>
-              <a:t> </a:t>
-            </a:r>
-            <a:r>
-              <a:rPr lang="en-US" dirty="0" smtClean="0"/>
-              <a:t>13W.</a:t>
+              <a:t> 13W.</a:t>
             </a:r>
             <a:fld id="{17233D2A-0857-4415-88C1-423492E69A26}" type="slidenum">
               <a:rPr lang="en-US" smtClean="0"/>
@@ -5850,11 +5814,7 @@
             </a:r>
             <a:r>
               <a:rPr lang="en-US" dirty="0" smtClean="0"/>
-              <a:t> </a:t>
-            </a:r>
-            <a:r>
-              <a:rPr lang="en-US" dirty="0" smtClean="0"/>
-              <a:t>13W.</a:t>
+              <a:t> 13W.</a:t>
             </a:r>
             <a:fld id="{17233D2A-0857-4415-88C1-423492E69A26}" type="slidenum">
               <a:rPr lang="en-US" smtClean="0"/>
@@ -6016,11 +5976,7 @@
             </a:r>
             <a:r>
               <a:rPr lang="en-US" dirty="0" smtClean="0"/>
-              <a:t> </a:t>
-            </a:r>
-            <a:r>
-              <a:rPr lang="en-US" dirty="0" smtClean="0"/>
-              <a:t>13W.</a:t>
+              <a:t> 13W.</a:t>
             </a:r>
             <a:fld id="{17233D2A-0857-4415-88C1-423492E69A26}" type="slidenum">
               <a:rPr lang="en-US" smtClean="0"/>
@@ -6137,11 +6093,7 @@
             </a:r>
             <a:r>
               <a:rPr lang="en-US" dirty="0" smtClean="0"/>
-              <a:t> </a:t>
-            </a:r>
-            <a:r>
-              <a:rPr lang="en-US" dirty="0" smtClean="0"/>
-              <a:t>13W.</a:t>
+              <a:t> 13W.</a:t>
             </a:r>
             <a:fld id="{17233D2A-0857-4415-88C1-423492E69A26}" type="slidenum">
               <a:rPr lang="en-US" smtClean="0"/>
@@ -6251,11 +6203,7 @@
             </a:r>
             <a:r>
               <a:rPr lang="en-US" dirty="0" smtClean="0"/>
-              <a:t> </a:t>
-            </a:r>
-            <a:r>
-              <a:rPr lang="en-US" dirty="0" smtClean="0"/>
-              <a:t>13W.</a:t>
+              <a:t> 13W.</a:t>
             </a:r>
             <a:fld id="{17233D2A-0857-4415-88C1-423492E69A26}" type="slidenum">
               <a:rPr lang="en-US" smtClean="0"/>
@@ -6557,11 +6505,7 @@
             </a:r>
             <a:r>
               <a:rPr lang="en-US" dirty="0" smtClean="0"/>
-              <a:t> </a:t>
-            </a:r>
-            <a:r>
-              <a:rPr lang="en-US" dirty="0" smtClean="0"/>
-              <a:t>13W.</a:t>
+              <a:t> 13W.</a:t>
             </a:r>
             <a:fld id="{17233D2A-0857-4415-88C1-423492E69A26}" type="slidenum">
               <a:rPr lang="en-US" smtClean="0"/>
@@ -6655,11 +6599,7 @@
             </a:r>
             <a:r>
               <a:rPr lang="en-US" dirty="0" smtClean="0"/>
-              <a:t> </a:t>
-            </a:r>
-            <a:r>
-              <a:rPr lang="en-US" dirty="0" smtClean="0"/>
-              <a:t>13W.</a:t>
+              <a:t> 13W.</a:t>
             </a:r>
             <a:fld id="{17233D2A-0857-4415-88C1-423492E69A26}" type="slidenum">
               <a:rPr lang="en-US" smtClean="0"/>
@@ -6776,11 +6716,7 @@
             </a:r>
             <a:r>
               <a:rPr lang="en-US" dirty="0" smtClean="0"/>
-              <a:t> </a:t>
-            </a:r>
-            <a:r>
-              <a:rPr lang="en-US" dirty="0" smtClean="0"/>
-              <a:t>13W.</a:t>
+              <a:t> 13W.</a:t>
             </a:r>
             <a:fld id="{17233D2A-0857-4415-88C1-423492E69A26}" type="slidenum">
               <a:rPr lang="en-US" smtClean="0"/>
@@ -6890,11 +6826,7 @@
             </a:r>
             <a:r>
               <a:rPr lang="en-US" dirty="0" smtClean="0"/>
-              <a:t> </a:t>
-            </a:r>
-            <a:r>
-              <a:rPr lang="en-US" dirty="0" smtClean="0"/>
-              <a:t>13W.</a:t>
+              <a:t> 13W.</a:t>
             </a:r>
             <a:fld id="{17233D2A-0857-4415-88C1-423492E69A26}" type="slidenum">
               <a:rPr lang="en-US" smtClean="0"/>
@@ -7470,11 +7402,7 @@
             </a:r>
             <a:r>
               <a:rPr lang="en-US" dirty="0" smtClean="0"/>
-              <a:t> </a:t>
-            </a:r>
-            <a:r>
-              <a:rPr lang="en-US" dirty="0" smtClean="0"/>
-              <a:t>13W.</a:t>
+              <a:t> 13W.</a:t>
             </a:r>
             <a:fld id="{17233D2A-0857-4415-88C1-423492E69A26}" type="slidenum">
               <a:rPr lang="en-US" smtClean="0"/>
@@ -7681,11 +7609,7 @@
             </a:r>
             <a:r>
               <a:rPr lang="en-US" dirty="0" smtClean="0"/>
-              <a:t> </a:t>
-            </a:r>
-            <a:r>
-              <a:rPr lang="en-US" dirty="0" smtClean="0"/>
-              <a:t>13W.</a:t>
+              <a:t> 13W.</a:t>
             </a:r>
             <a:fld id="{17233D2A-0857-4415-88C1-423492E69A26}" type="slidenum">
               <a:rPr lang="en-US" smtClean="0"/>
@@ -7781,37 +7705,7 @@
                 <a:uFillTx/>
                 <a:latin typeface="Comic Sans MS" pitchFamily="66" charset="0"/>
               </a:rPr>
-              <a:t>Albert R Meyer,                 </a:t>
-            </a:r>
-            <a:r>
-              <a:rPr kumimoji="0" lang="en-US" sz="1200" b="0" i="0" u="none" strike="noStrike" kern="1200" cap="none" spc="0" normalizeH="0" baseline="0" noProof="0" dirty="0" smtClean="0">
-                <a:ln>
-                  <a:noFill/>
-                </a:ln>
-                <a:solidFill>
-                  <a:schemeClr val="tx1"/>
-                </a:solidFill>
-                <a:effectLst/>
-                <a:uLnTx/>
-                <a:uFillTx/>
-                <a:latin typeface="Comic Sans MS" pitchFamily="66" charset="0"/>
-              </a:rPr>
-              <a:t>November 30, </a:t>
-            </a:r>
-            <a:r>
-              <a:rPr kumimoji="0" lang="en-US" sz="1200" b="0" i="0" u="none" strike="noStrike" kern="1200" cap="none" spc="0" normalizeH="0" baseline="0" noProof="0" dirty="0" smtClean="0">
-                <a:ln>
-                  <a:noFill/>
-                </a:ln>
-                <a:solidFill>
-                  <a:schemeClr val="tx1"/>
-                </a:solidFill>
-                <a:effectLst/>
-                <a:uLnTx/>
-                <a:uFillTx/>
-                <a:latin typeface="Comic Sans MS" pitchFamily="66" charset="0"/>
-              </a:rPr>
-              <a:t>2011</a:t>
+              <a:t>Albert R Meyer,                 November 30, 2011</a:t>
             </a:r>
             <a:endParaRPr kumimoji="0" lang="en-US" sz="1200" b="0" i="0" u="none" strike="noStrike" kern="1200" cap="none" spc="0" normalizeH="0" baseline="0" noProof="0" dirty="0">
               <a:ln>
@@ -8487,24 +8381,7 @@
                 <a:ea typeface="+mn-ea"/>
                 <a:cs typeface="+mn-cs"/>
               </a:rPr>
-              <a:t> </a:t>
-            </a:r>
-            <a:r>
-              <a:rPr kumimoji="0" lang="en-US" sz="1000" b="0" i="0" u="none" strike="noStrike" kern="1200" cap="none" spc="0" normalizeH="0" baseline="0" noProof="0" dirty="0" smtClean="0">
-                <a:ln>
-                  <a:noFill/>
-                </a:ln>
-                <a:solidFill>
-                  <a:schemeClr val="tx1"/>
-                </a:solidFill>
-                <a:effectLst/>
-                <a:uLnTx/>
-                <a:uFillTx/>
-                <a:latin typeface="Comic Sans MS" pitchFamily="66" charset="0"/>
-                <a:ea typeface="+mn-ea"/>
-                <a:cs typeface="+mn-cs"/>
-              </a:rPr>
-              <a:t>13W.</a:t>
+              <a:t> 13W.</a:t>
             </a:r>
             <a:fld id="{17233D2A-0857-4415-88C1-423492E69A26}" type="slidenum">
               <a:rPr kumimoji="0" lang="en-US" sz="1000" b="0" i="0" u="none" strike="noStrike" kern="1200" cap="none" spc="0" normalizeH="0" baseline="0" noProof="0" smtClean="0">
@@ -8910,24 +8787,7 @@
                 <a:ea typeface="+mn-ea"/>
                 <a:cs typeface="+mn-cs"/>
               </a:rPr>
-              <a:t> </a:t>
-            </a:r>
-            <a:r>
-              <a:rPr kumimoji="0" lang="en-US" sz="1000" b="0" i="0" u="none" strike="noStrike" kern="1200" cap="none" spc="0" normalizeH="0" baseline="0" noProof="0" dirty="0" smtClean="0">
-                <a:ln>
-                  <a:noFill/>
-                </a:ln>
-                <a:solidFill>
-                  <a:schemeClr val="tx1"/>
-                </a:solidFill>
-                <a:effectLst/>
-                <a:uLnTx/>
-                <a:uFillTx/>
-                <a:latin typeface="Comic Sans MS" pitchFamily="66" charset="0"/>
-                <a:ea typeface="+mn-ea"/>
-                <a:cs typeface="+mn-cs"/>
-              </a:rPr>
-              <a:t>13W.</a:t>
+              <a:t> 13W.</a:t>
             </a:r>
             <a:fld id="{17233D2A-0857-4415-88C1-423492E69A26}" type="slidenum">
               <a:rPr kumimoji="0" lang="en-US" sz="1000" b="0" i="0" u="none" strike="noStrike" kern="1200" cap="none" spc="0" normalizeH="0" baseline="0" noProof="0" smtClean="0">
@@ -9389,24 +9249,7 @@
                 <a:ea typeface="+mn-ea"/>
                 <a:cs typeface="+mn-cs"/>
               </a:rPr>
-              <a:t> </a:t>
-            </a:r>
-            <a:r>
-              <a:rPr kumimoji="0" lang="en-US" sz="1000" b="0" i="0" u="none" strike="noStrike" kern="1200" cap="none" spc="0" normalizeH="0" baseline="0" noProof="0" dirty="0" smtClean="0">
-                <a:ln>
-                  <a:noFill/>
-                </a:ln>
-                <a:solidFill>
-                  <a:schemeClr val="tx1"/>
-                </a:solidFill>
-                <a:effectLst/>
-                <a:uLnTx/>
-                <a:uFillTx/>
-                <a:latin typeface="Comic Sans MS" pitchFamily="66" charset="0"/>
-                <a:ea typeface="+mn-ea"/>
-                <a:cs typeface="+mn-cs"/>
-              </a:rPr>
-              <a:t>13W.</a:t>
+              <a:t> 13W.</a:t>
             </a:r>
             <a:fld id="{17233D2A-0857-4415-88C1-423492E69A26}" type="slidenum">
               <a:rPr kumimoji="0" lang="en-US" sz="1000" b="0" i="0" u="none" strike="noStrike" kern="1200" cap="none" spc="0" normalizeH="0" baseline="0" noProof="0" smtClean="0">
@@ -12753,11 +12596,7 @@
             </a:r>
             <a:r>
               <a:rPr lang="en-US" dirty="0" smtClean="0"/>
-              <a:t> </a:t>
-            </a:r>
-            <a:r>
-              <a:rPr lang="en-US" dirty="0" smtClean="0"/>
-              <a:t>13W.</a:t>
+              <a:t> 13W.</a:t>
             </a:r>
             <a:fld id="{17233D2A-0857-4415-88C1-423492E69A26}" type="slidenum">
               <a:rPr lang="en-US" smtClean="0"/>
@@ -15892,11 +15731,7 @@
             </a:r>
             <a:r>
               <a:rPr lang="en-US" dirty="0" smtClean="0"/>
-              <a:t> </a:t>
-            </a:r>
-            <a:r>
-              <a:rPr lang="en-US" dirty="0" smtClean="0"/>
-              <a:t>13W.</a:t>
+              <a:t> 13W.</a:t>
             </a:r>
             <a:fld id="{17233D2A-0857-4415-88C1-423492E69A26}" type="slidenum">
               <a:rPr lang="en-US" smtClean="0"/>
@@ -16331,24 +16166,7 @@
                 <a:ea typeface="+mn-ea"/>
                 <a:cs typeface="+mn-cs"/>
               </a:rPr>
-              <a:t> </a:t>
-            </a:r>
-            <a:r>
-              <a:rPr kumimoji="0" lang="en-US" sz="1000" b="0" i="0" u="none" strike="noStrike" kern="1200" cap="none" spc="0" normalizeH="0" baseline="0" noProof="0" dirty="0" smtClean="0">
-                <a:ln>
-                  <a:noFill/>
-                </a:ln>
-                <a:solidFill>
-                  <a:schemeClr val="tx1"/>
-                </a:solidFill>
-                <a:effectLst/>
-                <a:uLnTx/>
-                <a:uFillTx/>
-                <a:latin typeface="Comic Sans MS" pitchFamily="66" charset="0"/>
-                <a:ea typeface="+mn-ea"/>
-                <a:cs typeface="+mn-cs"/>
-              </a:rPr>
-              <a:t>13W.</a:t>
+              <a:t> 13W.</a:t>
             </a:r>
             <a:fld id="{17233D2A-0857-4415-88C1-423492E69A26}" type="slidenum">
               <a:rPr kumimoji="0" lang="en-US" sz="1000" b="0" i="0" u="none" strike="noStrike" kern="1200" cap="none" spc="0" normalizeH="0" baseline="0" noProof="0" smtClean="0">
@@ -16773,24 +16591,7 @@
                 <a:ea typeface="+mn-ea"/>
                 <a:cs typeface="+mn-cs"/>
               </a:rPr>
-              <a:t> </a:t>
-            </a:r>
-            <a:r>
-              <a:rPr kumimoji="0" lang="en-US" sz="1000" b="0" i="0" u="none" strike="noStrike" kern="1200" cap="none" spc="0" normalizeH="0" baseline="0" noProof="0" dirty="0" smtClean="0">
-                <a:ln>
-                  <a:noFill/>
-                </a:ln>
-                <a:solidFill>
-                  <a:schemeClr val="tx1"/>
-                </a:solidFill>
-                <a:effectLst/>
-                <a:uLnTx/>
-                <a:uFillTx/>
-                <a:latin typeface="Comic Sans MS" pitchFamily="66" charset="0"/>
-                <a:ea typeface="+mn-ea"/>
-                <a:cs typeface="+mn-cs"/>
-              </a:rPr>
-              <a:t>13W.</a:t>
+              <a:t> 13W.</a:t>
             </a:r>
             <a:fld id="{17233D2A-0857-4415-88C1-423492E69A26}" type="slidenum">
               <a:rPr kumimoji="0" lang="en-US" sz="1000" b="0" i="0" u="none" strike="noStrike" kern="1200" cap="none" spc="0" normalizeH="0" baseline="0" noProof="0" smtClean="0">
@@ -17213,24 +17014,7 @@
                 <a:ea typeface="+mn-ea"/>
                 <a:cs typeface="+mn-cs"/>
               </a:rPr>
-              <a:t> </a:t>
-            </a:r>
-            <a:r>
-              <a:rPr kumimoji="0" lang="en-US" sz="1000" b="0" i="0" u="none" strike="noStrike" kern="1200" cap="none" spc="0" normalizeH="0" baseline="0" noProof="0" dirty="0" smtClean="0">
-                <a:ln>
-                  <a:noFill/>
-                </a:ln>
-                <a:solidFill>
-                  <a:schemeClr val="tx1"/>
-                </a:solidFill>
-                <a:effectLst/>
-                <a:uLnTx/>
-                <a:uFillTx/>
-                <a:latin typeface="Comic Sans MS" pitchFamily="66" charset="0"/>
-                <a:ea typeface="+mn-ea"/>
-                <a:cs typeface="+mn-cs"/>
-              </a:rPr>
-              <a:t>13W.</a:t>
+              <a:t> 13W.</a:t>
             </a:r>
             <a:fld id="{17233D2A-0857-4415-88C1-423492E69A26}" type="slidenum">
               <a:rPr kumimoji="0" lang="en-US" sz="1000" b="0" i="0" u="none" strike="noStrike" kern="1200" cap="none" spc="0" normalizeH="0" baseline="0" noProof="0" smtClean="0">
@@ -22381,11 +22165,7 @@
             </a:r>
             <a:r>
               <a:rPr lang="en-US" dirty="0" smtClean="0"/>
-              <a:t> </a:t>
-            </a:r>
-            <a:r>
-              <a:rPr lang="en-US" dirty="0" smtClean="0"/>
-              <a:t>13W.</a:t>
+              <a:t> 13W.</a:t>
             </a:r>
             <a:fld id="{17233D2A-0857-4415-88C1-423492E69A26}" type="slidenum">
               <a:rPr lang="en-US" smtClean="0"/>
@@ -23832,24 +23612,7 @@
                 <a:ea typeface="+mn-ea"/>
                 <a:cs typeface="+mn-cs"/>
               </a:rPr>
-              <a:t> </a:t>
-            </a:r>
-            <a:r>
-              <a:rPr kumimoji="0" lang="en-US" sz="1000" b="0" i="0" u="none" strike="noStrike" kern="1200" cap="none" spc="0" normalizeH="0" baseline="0" noProof="0" dirty="0" smtClean="0">
-                <a:ln>
-                  <a:noFill/>
-                </a:ln>
-                <a:solidFill>
-                  <a:schemeClr val="tx1"/>
-                </a:solidFill>
-                <a:effectLst/>
-                <a:uLnTx/>
-                <a:uFillTx/>
-                <a:latin typeface="Comic Sans MS" pitchFamily="66" charset="0"/>
-                <a:ea typeface="+mn-ea"/>
-                <a:cs typeface="+mn-cs"/>
-              </a:rPr>
-              <a:t>13W.</a:t>
+              <a:t> 13W.</a:t>
             </a:r>
             <a:fld id="{17233D2A-0857-4415-88C1-423492E69A26}" type="slidenum">
               <a:rPr kumimoji="0" lang="en-US" sz="1000" b="0" i="0" u="none" strike="noStrike" kern="1200" cap="none" spc="0" normalizeH="0" baseline="0" noProof="0" smtClean="0">
@@ -24234,24 +23997,7 @@
                 <a:ea typeface="+mn-ea"/>
                 <a:cs typeface="+mn-cs"/>
               </a:rPr>
-              <a:t> </a:t>
-            </a:r>
-            <a:r>
-              <a:rPr kumimoji="0" lang="en-US" sz="1000" b="0" i="0" u="none" strike="noStrike" kern="1200" cap="none" spc="0" normalizeH="0" baseline="0" noProof="0" dirty="0" smtClean="0">
-                <a:ln>
-                  <a:noFill/>
-                </a:ln>
-                <a:solidFill>
-                  <a:schemeClr val="tx1"/>
-                </a:solidFill>
-                <a:effectLst/>
-                <a:uLnTx/>
-                <a:uFillTx/>
-                <a:latin typeface="Comic Sans MS" pitchFamily="66" charset="0"/>
-                <a:ea typeface="+mn-ea"/>
-                <a:cs typeface="+mn-cs"/>
-              </a:rPr>
-              <a:t>13W.</a:t>
+              <a:t> 13W.</a:t>
             </a:r>
             <a:fld id="{17233D2A-0857-4415-88C1-423492E69A26}" type="slidenum">
               <a:rPr kumimoji="0" lang="en-US" sz="1000" b="0" i="0" u="none" strike="noStrike" kern="1200" cap="none" spc="0" normalizeH="0" baseline="0" noProof="0" smtClean="0">
@@ -24827,24 +24573,7 @@
                 <a:ea typeface="+mn-ea"/>
                 <a:cs typeface="+mn-cs"/>
               </a:rPr>
-              <a:t> </a:t>
-            </a:r>
-            <a:r>
-              <a:rPr kumimoji="0" lang="en-US" sz="1000" b="0" i="0" u="none" strike="noStrike" kern="1200" cap="none" spc="0" normalizeH="0" baseline="0" noProof="0" dirty="0" smtClean="0">
-                <a:ln>
-                  <a:noFill/>
-                </a:ln>
-                <a:solidFill>
-                  <a:schemeClr val="tx1"/>
-                </a:solidFill>
-                <a:effectLst/>
-                <a:uLnTx/>
-                <a:uFillTx/>
-                <a:latin typeface="Comic Sans MS" pitchFamily="66" charset="0"/>
-                <a:ea typeface="+mn-ea"/>
-                <a:cs typeface="+mn-cs"/>
-              </a:rPr>
-              <a:t>13W.</a:t>
+              <a:t> 13W.</a:t>
             </a:r>
             <a:fld id="{17233D2A-0857-4415-88C1-423492E69A26}" type="slidenum">
               <a:rPr kumimoji="0" lang="en-US" sz="1000" b="0" i="0" u="none" strike="noStrike" kern="1200" cap="none" spc="0" normalizeH="0" baseline="0" noProof="0" smtClean="0">
@@ -25417,7 +25146,7 @@
           <a:graphicData uri="http://schemas.openxmlformats.org/presentationml/2006/ole">
             <mc:AlternateContent xmlns:mc="http://schemas.openxmlformats.org/markup-compatibility/2006">
               <mc:Choice xmlns:v="urn:schemas-microsoft-com:vml" Requires="v">
-                <p:oleObj spid="_x0000_s308237" name="Equation" r:id="rId4" imgW="291960" imgH="939600" progId="Equation.DSMT4">
+                <p:oleObj spid="_x0000_s308244" name="Equation" r:id="rId4" imgW="291960" imgH="939600" progId="Equation.DSMT4">
                   <p:embed/>
                 </p:oleObj>
               </mc:Choice>
@@ -25487,7 +25216,7 @@
           <a:graphicData uri="http://schemas.openxmlformats.org/presentationml/2006/ole">
             <mc:AlternateContent xmlns:mc="http://schemas.openxmlformats.org/markup-compatibility/2006">
               <mc:Choice xmlns:v="urn:schemas-microsoft-com:vml" Requires="v">
-                <p:oleObj spid="_x0000_s308238" name="Equation" r:id="rId6" imgW="291960" imgH="939600" progId="Equation.DSMT4">
+                <p:oleObj spid="_x0000_s308245" name="Equation" r:id="rId6" imgW="291960" imgH="939600" progId="Equation.DSMT4">
                   <p:embed/>
                 </p:oleObj>
               </mc:Choice>
@@ -25736,7 +25465,7 @@
             <a:graphicData uri="http://schemas.openxmlformats.org/presentationml/2006/ole">
               <mc:AlternateContent xmlns:mc="http://schemas.openxmlformats.org/markup-compatibility/2006">
                 <mc:Choice xmlns:v="urn:schemas-microsoft-com:vml" Requires="v">
-                  <p:oleObj spid="_x0000_s308239" name="Equation" r:id="rId8" imgW="609480" imgH="939600" progId="Equation.DSMT4">
+                  <p:oleObj spid="_x0000_s308246" name="Equation" r:id="rId8" imgW="609480" imgH="939600" progId="Equation.DSMT4">
                     <p:embed/>
                   </p:oleObj>
                 </mc:Choice>
@@ -25878,24 +25607,7 @@
                 <a:ea typeface="+mn-ea"/>
                 <a:cs typeface="+mn-cs"/>
               </a:rPr>
-              <a:t> </a:t>
-            </a:r>
-            <a:r>
-              <a:rPr kumimoji="0" lang="en-US" sz="1000" b="0" i="0" u="none" strike="noStrike" kern="1200" cap="none" spc="0" normalizeH="0" baseline="0" noProof="0" dirty="0" smtClean="0">
-                <a:ln>
-                  <a:noFill/>
-                </a:ln>
-                <a:solidFill>
-                  <a:schemeClr val="tx1"/>
-                </a:solidFill>
-                <a:effectLst/>
-                <a:uLnTx/>
-                <a:uFillTx/>
-                <a:latin typeface="Comic Sans MS" pitchFamily="66" charset="0"/>
-                <a:ea typeface="+mn-ea"/>
-                <a:cs typeface="+mn-cs"/>
-              </a:rPr>
-              <a:t>13W.</a:t>
+              <a:t> 13W.</a:t>
             </a:r>
             <a:fld id="{17233D2A-0857-4415-88C1-423492E69A26}" type="slidenum">
               <a:rPr kumimoji="0" lang="en-US" sz="1000" b="0" i="0" u="none" strike="noStrike" kern="1200" cap="none" spc="0" normalizeH="0" baseline="0" noProof="0" smtClean="0">
@@ -26641,24 +26353,7 @@
                 <a:ea typeface="+mn-ea"/>
                 <a:cs typeface="+mn-cs"/>
               </a:rPr>
-              <a:t> </a:t>
-            </a:r>
-            <a:r>
-              <a:rPr kumimoji="0" lang="en-US" sz="1000" b="0" i="0" u="none" strike="noStrike" kern="1200" cap="none" spc="0" normalizeH="0" baseline="0" noProof="0" dirty="0" smtClean="0">
-                <a:ln>
-                  <a:noFill/>
-                </a:ln>
-                <a:solidFill>
-                  <a:schemeClr val="tx1"/>
-                </a:solidFill>
-                <a:effectLst/>
-                <a:uLnTx/>
-                <a:uFillTx/>
-                <a:latin typeface="Comic Sans MS" pitchFamily="66" charset="0"/>
-                <a:ea typeface="+mn-ea"/>
-                <a:cs typeface="+mn-cs"/>
-              </a:rPr>
-              <a:t>13W.</a:t>
+              <a:t> 13W.</a:t>
             </a:r>
             <a:fld id="{17233D2A-0857-4415-88C1-423492E69A26}" type="slidenum">
               <a:rPr kumimoji="0" lang="en-US" sz="1000" b="0" i="0" u="none" strike="noStrike" kern="1200" cap="none" spc="0" normalizeH="0" baseline="0" noProof="0" smtClean="0">
@@ -26727,7 +26422,7 @@
           <a:graphicData uri="http://schemas.openxmlformats.org/presentationml/2006/ole">
             <mc:AlternateContent xmlns:mc="http://schemas.openxmlformats.org/markup-compatibility/2006">
               <mc:Choice xmlns:v="urn:schemas-microsoft-com:vml" Requires="v">
-                <p:oleObj spid="_x0000_s283658" name="Equation" r:id="rId4" imgW="914400" imgH="406400" progId="Equation.DSMT4">
+                <p:oleObj spid="_x0000_s283661" name="Equation" r:id="rId4" imgW="914400" imgH="406400" progId="Equation.DSMT4">
                   <p:embed/>
                 </p:oleObj>
               </mc:Choice>
@@ -27299,24 +26994,7 @@
                 <a:ea typeface="+mn-ea"/>
                 <a:cs typeface="+mn-cs"/>
               </a:rPr>
-              <a:t> </a:t>
-            </a:r>
-            <a:r>
-              <a:rPr kumimoji="0" lang="en-US" sz="1000" b="0" i="0" u="none" strike="noStrike" kern="1200" cap="none" spc="0" normalizeH="0" baseline="0" noProof="0" dirty="0" smtClean="0">
-                <a:ln>
-                  <a:noFill/>
-                </a:ln>
-                <a:solidFill>
-                  <a:schemeClr val="tx1"/>
-                </a:solidFill>
-                <a:effectLst/>
-                <a:uLnTx/>
-                <a:uFillTx/>
-                <a:latin typeface="Comic Sans MS" pitchFamily="66" charset="0"/>
-                <a:ea typeface="+mn-ea"/>
-                <a:cs typeface="+mn-cs"/>
-              </a:rPr>
-              <a:t>13W.</a:t>
+              <a:t> 13W.</a:t>
             </a:r>
             <a:fld id="{17233D2A-0857-4415-88C1-423492E69A26}" type="slidenum">
               <a:rPr kumimoji="0" lang="en-US" sz="1000" b="0" i="0" u="none" strike="noStrike" kern="1200" cap="none" spc="0" normalizeH="0" baseline="0" noProof="0" smtClean="0">
@@ -27385,7 +27063,7 @@
           <a:graphicData uri="http://schemas.openxmlformats.org/presentationml/2006/ole">
             <mc:AlternateContent xmlns:mc="http://schemas.openxmlformats.org/markup-compatibility/2006">
               <mc:Choice xmlns:v="urn:schemas-microsoft-com:vml" Requires="v">
-                <p:oleObj spid="_x0000_s332807" name="Equation" r:id="rId4" imgW="1295400" imgH="406400" progId="Equation.DSMT4">
+                <p:oleObj spid="_x0000_s332810" name="Equation" r:id="rId4" imgW="1295400" imgH="406400" progId="Equation.DSMT4">
                   <p:embed/>
                 </p:oleObj>
               </mc:Choice>
@@ -28041,24 +27719,7 @@
                 <a:ea typeface="+mn-ea"/>
                 <a:cs typeface="+mn-cs"/>
               </a:rPr>
-              <a:t> </a:t>
-            </a:r>
-            <a:r>
-              <a:rPr kumimoji="0" lang="en-US" sz="1000" b="0" i="0" u="none" strike="noStrike" kern="1200" cap="none" spc="0" normalizeH="0" baseline="0" noProof="0" dirty="0" smtClean="0">
-                <a:ln>
-                  <a:noFill/>
-                </a:ln>
-                <a:solidFill>
-                  <a:schemeClr val="tx1"/>
-                </a:solidFill>
-                <a:effectLst/>
-                <a:uLnTx/>
-                <a:uFillTx/>
-                <a:latin typeface="Comic Sans MS" pitchFamily="66" charset="0"/>
-                <a:ea typeface="+mn-ea"/>
-                <a:cs typeface="+mn-cs"/>
-              </a:rPr>
-              <a:t>13W.</a:t>
+              <a:t> 13W.</a:t>
             </a:r>
             <a:fld id="{17233D2A-0857-4415-88C1-423492E69A26}" type="slidenum">
               <a:rPr kumimoji="0" lang="en-US" sz="1000" b="0" i="0" u="none" strike="noStrike" kern="1200" cap="none" spc="0" normalizeH="0" baseline="0" noProof="0" smtClean="0">
@@ -28681,24 +28342,7 @@
                 <a:ea typeface="+mn-ea"/>
                 <a:cs typeface="+mn-cs"/>
               </a:rPr>
-              <a:t> </a:t>
-            </a:r>
-            <a:r>
-              <a:rPr kumimoji="0" lang="en-US" sz="1000" b="0" i="0" u="none" strike="noStrike" kern="1200" cap="none" spc="0" normalizeH="0" baseline="0" noProof="0" dirty="0" smtClean="0">
-                <a:ln>
-                  <a:noFill/>
-                </a:ln>
-                <a:solidFill>
-                  <a:schemeClr val="tx1"/>
-                </a:solidFill>
-                <a:effectLst/>
-                <a:uLnTx/>
-                <a:uFillTx/>
-                <a:latin typeface="Comic Sans MS" pitchFamily="66" charset="0"/>
-                <a:ea typeface="+mn-ea"/>
-                <a:cs typeface="+mn-cs"/>
-              </a:rPr>
-              <a:t>13W.</a:t>
+              <a:t> 13W.</a:t>
             </a:r>
             <a:fld id="{17233D2A-0857-4415-88C1-423492E69A26}" type="slidenum">
               <a:rPr kumimoji="0" lang="en-US" sz="1000" b="0" i="0" u="none" strike="noStrike" kern="1200" cap="none" spc="0" normalizeH="0" baseline="0" noProof="0" smtClean="0">
@@ -29039,22 +28683,28 @@
           <p:cNvGraphicFramePr>
             <a:graphicFrameLocks noChangeAspect="1"/>
           </p:cNvGraphicFramePr>
-          <p:nvPr/>
+          <p:nvPr>
+            <p:extLst>
+              <p:ext uri="{D42A27DB-BD31-4B8C-83A1-F6EECF244321}">
+                <p14:modId xmlns:p14="http://schemas.microsoft.com/office/powerpoint/2010/main" val="478462720"/>
+              </p:ext>
+            </p:extLst>
+          </p:nvPr>
         </p:nvGraphicFramePr>
         <p:xfrm>
-          <a:off x="304800" y="2647950"/>
-          <a:ext cx="8534400" cy="2105025"/>
+          <a:off x="331788" y="2481263"/>
+          <a:ext cx="8478837" cy="2438400"/>
         </p:xfrm>
         <a:graphic>
           <a:graphicData uri="http://schemas.openxmlformats.org/presentationml/2006/ole">
             <mc:AlternateContent xmlns:mc="http://schemas.openxmlformats.org/markup-compatibility/2006">
               <mc:Choice xmlns:v="urn:schemas-microsoft-com:vml" Requires="v">
-                <p:oleObj spid="_x0000_s247815" name="Equation" r:id="rId4" imgW="1955520" imgH="482400" progId="Equation.DSMT4">
+                <p:oleObj spid="_x0000_s247818" name="Equation" r:id="rId4" imgW="1943100" imgH="558800" progId="Equation.DSMT4">
                   <p:embed/>
                 </p:oleObj>
               </mc:Choice>
               <mc:Fallback>
-                <p:oleObj name="Equation" r:id="rId4" imgW="1955520" imgH="482400" progId="Equation.DSMT4">
+                <p:oleObj name="Equation" r:id="rId4" imgW="1943100" imgH="558800" progId="Equation.DSMT4">
                   <p:embed/>
                   <p:pic>
                     <p:nvPicPr>
@@ -29065,13 +28715,7 @@
                       <p:nvPr/>
                     </p:nvPicPr>
                     <p:blipFill>
-                      <a:blip r:embed="rId5">
-                        <a:extLst>
-                          <a:ext uri="{28A0092B-C50C-407E-A947-70E740481C1C}">
-                            <a14:useLocalDpi xmlns:a14="http://schemas.microsoft.com/office/drawing/2010/main" val="0"/>
-                          </a:ext>
-                        </a:extLst>
-                      </a:blip>
+                      <a:blip r:embed="rId5"/>
                       <a:srcRect/>
                       <a:stretch>
                         <a:fillRect/>
@@ -29079,8 +28723,8 @@
                     </p:blipFill>
                     <p:spPr bwMode="auto">
                       <a:xfrm>
-                        <a:off x="304800" y="2647950"/>
-                        <a:ext cx="8534400" cy="2105025"/>
+                        <a:off x="331788" y="2481263"/>
+                        <a:ext cx="8478837" cy="2438400"/>
                       </a:xfrm>
                       <a:prstGeom prst="rect">
                         <a:avLst/>
@@ -29190,24 +28834,7 @@
                 <a:ea typeface="+mn-ea"/>
                 <a:cs typeface="+mn-cs"/>
               </a:rPr>
-              <a:t> </a:t>
-            </a:r>
-            <a:r>
-              <a:rPr kumimoji="0" lang="en-US" sz="1000" b="0" i="0" u="none" strike="noStrike" kern="1200" cap="none" spc="0" normalizeH="0" baseline="0" noProof="0" dirty="0" smtClean="0">
-                <a:ln>
-                  <a:noFill/>
-                </a:ln>
-                <a:solidFill>
-                  <a:schemeClr val="tx1"/>
-                </a:solidFill>
-                <a:effectLst/>
-                <a:uLnTx/>
-                <a:uFillTx/>
-                <a:latin typeface="Comic Sans MS" pitchFamily="66" charset="0"/>
-                <a:ea typeface="+mn-ea"/>
-                <a:cs typeface="+mn-cs"/>
-              </a:rPr>
-              <a:t>13W.</a:t>
+              <a:t> 13W.</a:t>
             </a:r>
             <a:fld id="{17233D2A-0857-4415-88C1-423492E69A26}" type="slidenum">
               <a:rPr kumimoji="0" lang="en-US" sz="1000" b="0" i="0" u="none" strike="noStrike" kern="1200" cap="none" spc="0" normalizeH="0" baseline="0" noProof="0" smtClean="0">
@@ -29877,24 +29504,7 @@
                 <a:ea typeface="+mn-ea"/>
                 <a:cs typeface="+mn-cs"/>
               </a:rPr>
-              <a:t> </a:t>
-            </a:r>
-            <a:r>
-              <a:rPr kumimoji="0" lang="en-US" sz="1000" b="0" i="0" u="none" strike="noStrike" kern="1200" cap="none" spc="0" normalizeH="0" baseline="0" noProof="0" dirty="0" smtClean="0">
-                <a:ln>
-                  <a:noFill/>
-                </a:ln>
-                <a:solidFill>
-                  <a:schemeClr val="tx1"/>
-                </a:solidFill>
-                <a:effectLst/>
-                <a:uLnTx/>
-                <a:uFillTx/>
-                <a:latin typeface="Comic Sans MS" pitchFamily="66" charset="0"/>
-                <a:ea typeface="+mn-ea"/>
-                <a:cs typeface="+mn-cs"/>
-              </a:rPr>
-              <a:t>13W.</a:t>
+              <a:t> 13W.</a:t>
             </a:r>
             <a:fld id="{17233D2A-0857-4415-88C1-423492E69A26}" type="slidenum">
               <a:rPr kumimoji="0" lang="en-US" sz="1000" b="0" i="0" u="none" strike="noStrike" kern="1200" cap="none" spc="0" normalizeH="0" baseline="0" noProof="0" smtClean="0">
@@ -30544,24 +30154,7 @@
                 <a:ea typeface="+mn-ea"/>
                 <a:cs typeface="+mn-cs"/>
               </a:rPr>
-              <a:t> </a:t>
-            </a:r>
-            <a:r>
-              <a:rPr kumimoji="0" lang="en-US" sz="1000" b="0" i="0" u="none" strike="noStrike" kern="1200" cap="none" spc="0" normalizeH="0" baseline="0" noProof="0" dirty="0" smtClean="0">
-                <a:ln>
-                  <a:noFill/>
-                </a:ln>
-                <a:solidFill>
-                  <a:schemeClr val="tx1"/>
-                </a:solidFill>
-                <a:effectLst/>
-                <a:uLnTx/>
-                <a:uFillTx/>
-                <a:latin typeface="Comic Sans MS" pitchFamily="66" charset="0"/>
-                <a:ea typeface="+mn-ea"/>
-                <a:cs typeface="+mn-cs"/>
-              </a:rPr>
-              <a:t>13W.</a:t>
+              <a:t> 13W.</a:t>
             </a:r>
             <a:fld id="{17233D2A-0857-4415-88C1-423492E69A26}" type="slidenum">
               <a:rPr kumimoji="0" lang="en-US" sz="1000" b="0" i="0" u="none" strike="noStrike" kern="1200" cap="none" spc="0" normalizeH="0" baseline="0" noProof="0" smtClean="0">
@@ -31038,24 +30631,7 @@
                 <a:ea typeface="+mn-ea"/>
                 <a:cs typeface="+mn-cs"/>
               </a:rPr>
-              <a:t> </a:t>
-            </a:r>
-            <a:r>
-              <a:rPr kumimoji="0" lang="en-US" sz="1000" b="0" i="0" u="none" strike="noStrike" kern="1200" cap="none" spc="0" normalizeH="0" baseline="0" noProof="0" dirty="0" smtClean="0">
-                <a:ln>
-                  <a:noFill/>
-                </a:ln>
-                <a:solidFill>
-                  <a:srgbClr val="0000FF"/>
-                </a:solidFill>
-                <a:effectLst/>
-                <a:uLnTx/>
-                <a:uFillTx/>
-                <a:latin typeface="Comic Sans MS" pitchFamily="66" charset="0"/>
-                <a:ea typeface="+mn-ea"/>
-                <a:cs typeface="+mn-cs"/>
-              </a:rPr>
-              <a:t>13W.</a:t>
+              <a:t> 13W.</a:t>
             </a:r>
             <a:fld id="{17233D2A-0857-4415-88C1-423492E69A26}" type="slidenum">
               <a:rPr kumimoji="0" lang="en-US" sz="1000" b="0" i="0" u="none" strike="noStrike" kern="1200" cap="none" spc="0" normalizeH="0" baseline="0" noProof="0" smtClean="0">
@@ -31124,7 +30700,7 @@
           <a:graphicData uri="http://schemas.openxmlformats.org/presentationml/2006/ole">
             <mc:AlternateContent xmlns:mc="http://schemas.openxmlformats.org/markup-compatibility/2006">
               <mc:Choice xmlns:v="urn:schemas-microsoft-com:vml" Requires="v">
-                <p:oleObj spid="_x0000_s297991" name="Equation" r:id="rId8" imgW="2628900" imgH="1219200" progId="Equation.DSMT4">
+                <p:oleObj spid="_x0000_s297994" name="Equation" r:id="rId8" imgW="2628900" imgH="1219200" progId="Equation.DSMT4">
                   <p:embed/>
                 </p:oleObj>
               </mc:Choice>
@@ -31291,7 +30867,7 @@
           <a:graphicData uri="http://schemas.openxmlformats.org/presentationml/2006/ole">
             <mc:AlternateContent xmlns:mc="http://schemas.openxmlformats.org/markup-compatibility/2006">
               <mc:Choice xmlns:v="urn:schemas-microsoft-com:vml" Requires="v">
-                <p:oleObj spid="_x0000_s249863" name="Equation" r:id="rId4" imgW="1002960" imgH="457200" progId="Equation.DSMT4">
+                <p:oleObj spid="_x0000_s249866" name="Equation" r:id="rId4" imgW="1002960" imgH="457200" progId="Equation.DSMT4">
                   <p:embed/>
                 </p:oleObj>
               </mc:Choice>
@@ -31432,24 +31008,7 @@
                 <a:ea typeface="+mn-ea"/>
                 <a:cs typeface="+mn-cs"/>
               </a:rPr>
-              <a:t> </a:t>
-            </a:r>
-            <a:r>
-              <a:rPr kumimoji="0" lang="en-US" sz="1000" b="0" i="0" u="none" strike="noStrike" kern="1200" cap="none" spc="0" normalizeH="0" baseline="0" noProof="0" dirty="0" smtClean="0">
-                <a:ln>
-                  <a:noFill/>
-                </a:ln>
-                <a:solidFill>
-                  <a:schemeClr val="tx1"/>
-                </a:solidFill>
-                <a:effectLst/>
-                <a:uLnTx/>
-                <a:uFillTx/>
-                <a:latin typeface="Comic Sans MS" pitchFamily="66" charset="0"/>
-                <a:ea typeface="+mn-ea"/>
-                <a:cs typeface="+mn-cs"/>
-              </a:rPr>
-              <a:t>13W.</a:t>
+              <a:t> 13W.</a:t>
             </a:r>
             <a:fld id="{17233D2A-0857-4415-88C1-423492E69A26}" type="slidenum">
               <a:rPr kumimoji="0" lang="en-US" sz="1000" b="0" i="0" u="none" strike="noStrike" kern="1200" cap="none" spc="0" normalizeH="0" baseline="0" noProof="0" smtClean="0">
@@ -32026,24 +31585,7 @@
                 <a:ea typeface="+mn-ea"/>
                 <a:cs typeface="+mn-cs"/>
               </a:rPr>
-              <a:t> </a:t>
-            </a:r>
-            <a:r>
-              <a:rPr kumimoji="0" lang="en-US" sz="1000" b="0" i="0" u="none" strike="noStrike" kern="1200" cap="none" spc="0" normalizeH="0" baseline="0" noProof="0" dirty="0" smtClean="0">
-                <a:ln>
-                  <a:noFill/>
-                </a:ln>
-                <a:solidFill>
-                  <a:schemeClr val="tx1"/>
-                </a:solidFill>
-                <a:effectLst/>
-                <a:uLnTx/>
-                <a:uFillTx/>
-                <a:latin typeface="Comic Sans MS" pitchFamily="66" charset="0"/>
-                <a:ea typeface="+mn-ea"/>
-                <a:cs typeface="+mn-cs"/>
-              </a:rPr>
-              <a:t>13W.</a:t>
+              <a:t> 13W.</a:t>
             </a:r>
             <a:fld id="{17233D2A-0857-4415-88C1-423492E69A26}" type="slidenum">
               <a:rPr kumimoji="0" lang="en-US" sz="1000" b="0" i="0" u="none" strike="noStrike" kern="1200" cap="none" spc="0" normalizeH="0" baseline="0" noProof="0" smtClean="0">
@@ -32118,7 +31660,7 @@
           <a:graphicData uri="http://schemas.openxmlformats.org/presentationml/2006/ole">
             <mc:AlternateContent xmlns:mc="http://schemas.openxmlformats.org/markup-compatibility/2006">
               <mc:Choice xmlns:v="urn:schemas-microsoft-com:vml" Requires="v">
-                <p:oleObj spid="_x0000_s34825" name="Equation" r:id="rId5" imgW="317500" imgH="533400" progId="Equation.DSMT4">
+                <p:oleObj spid="_x0000_s34832" name="Equation" r:id="rId5" imgW="317500" imgH="533400" progId="Equation.DSMT4">
                   <p:embed/>
                 </p:oleObj>
               </mc:Choice>
@@ -32175,7 +31717,7 @@
           <p:nvPr>
             <p:extLst>
               <p:ext uri="{D42A27DB-BD31-4B8C-83A1-F6EECF244321}">
-                <p14:modId xmlns:p14="http://schemas.microsoft.com/office/powerpoint/2010/main" val="3798334739"/>
+                <p14:modId xmlns:p14="http://schemas.microsoft.com/office/powerpoint/2010/main" val="3273311864"/>
               </p:ext>
             </p:extLst>
           </p:nvPr>
@@ -32188,7 +31730,7 @@
           <a:graphicData uri="http://schemas.openxmlformats.org/presentationml/2006/ole">
             <mc:AlternateContent xmlns:mc="http://schemas.openxmlformats.org/markup-compatibility/2006">
               <mc:Choice xmlns:v="urn:schemas-microsoft-com:vml" Requires="v">
-                <p:oleObj spid="_x0000_s34826" name="Equation" r:id="rId7" imgW="787400" imgH="533400" progId="Equation.DSMT4">
+                <p:oleObj spid="_x0000_s34833" name="Equation" r:id="rId7" imgW="787400" imgH="533400" progId="Equation.DSMT4">
                   <p:embed/>
                 </p:oleObj>
               </mc:Choice>
@@ -32237,25 +31779,25 @@
           <p:nvPr>
             <p:extLst>
               <p:ext uri="{D42A27DB-BD31-4B8C-83A1-F6EECF244321}">
-                <p14:modId xmlns:p14="http://schemas.microsoft.com/office/powerpoint/2010/main" val="2217393309"/>
+                <p14:modId xmlns:p14="http://schemas.microsoft.com/office/powerpoint/2010/main" val="3663292030"/>
               </p:ext>
             </p:extLst>
           </p:nvPr>
         </p:nvGraphicFramePr>
         <p:xfrm>
-          <a:off x="5029200" y="4114800"/>
-          <a:ext cx="1752600" cy="2191019"/>
+          <a:off x="5029200" y="3951288"/>
+          <a:ext cx="1752600" cy="2519362"/>
         </p:xfrm>
         <a:graphic>
           <a:graphicData uri="http://schemas.openxmlformats.org/presentationml/2006/ole">
             <mc:AlternateContent xmlns:mc="http://schemas.openxmlformats.org/markup-compatibility/2006">
               <mc:Choice xmlns:v="urn:schemas-microsoft-com:vml" Requires="v">
-                <p:oleObj spid="_x0000_s34827" name="Equation" r:id="rId9" imgW="812800" imgH="1016000" progId="Equation.DSMT4">
+                <p:oleObj spid="_x0000_s34834" name="Equation" r:id="rId9" imgW="812800" imgH="1168400" progId="Equation.DSMT4">
                   <p:embed/>
                 </p:oleObj>
               </mc:Choice>
               <mc:Fallback>
-                <p:oleObj name="Equation" r:id="rId9" imgW="812800" imgH="1016000" progId="Equation.DSMT4">
+                <p:oleObj name="Equation" r:id="rId9" imgW="812800" imgH="1168400" progId="Equation.DSMT4">
                   <p:embed/>
                   <p:pic>
                     <p:nvPicPr>
@@ -32274,8 +31816,8 @@
                     </p:blipFill>
                     <p:spPr bwMode="auto">
                       <a:xfrm>
-                        <a:off x="5029200" y="4114800"/>
-                        <a:ext cx="1752600" cy="2191019"/>
+                        <a:off x="5029200" y="3951288"/>
+                        <a:ext cx="1752600" cy="2519362"/>
                       </a:xfrm>
                       <a:prstGeom prst="rect">
                         <a:avLst/>
@@ -32834,24 +32376,7 @@
                 <a:ea typeface="+mn-ea"/>
                 <a:cs typeface="+mn-cs"/>
               </a:rPr>
-              <a:t> </a:t>
-            </a:r>
-            <a:r>
-              <a:rPr kumimoji="0" lang="en-US" sz="1000" b="0" i="0" u="none" strike="noStrike" kern="1200" cap="none" spc="0" normalizeH="0" baseline="0" noProof="0" dirty="0" smtClean="0">
-                <a:ln>
-                  <a:noFill/>
-                </a:ln>
-                <a:solidFill>
-                  <a:schemeClr val="tx1"/>
-                </a:solidFill>
-                <a:effectLst/>
-                <a:uLnTx/>
-                <a:uFillTx/>
-                <a:latin typeface="Comic Sans MS" pitchFamily="66" charset="0"/>
-                <a:ea typeface="+mn-ea"/>
-                <a:cs typeface="+mn-cs"/>
-              </a:rPr>
-              <a:t>13W.</a:t>
+              <a:t> 13W.</a:t>
             </a:r>
             <a:fld id="{17233D2A-0857-4415-88C1-423492E69A26}" type="slidenum">
               <a:rPr kumimoji="0" lang="en-US" sz="1000" b="0" i="0" u="none" strike="noStrike" kern="1200" cap="none" spc="0" normalizeH="0" baseline="0" noProof="0" smtClean="0">
@@ -33171,7 +32696,7 @@
           <a:graphicData uri="http://schemas.openxmlformats.org/presentationml/2006/ole">
             <mc:AlternateContent xmlns:mc="http://schemas.openxmlformats.org/markup-compatibility/2006">
               <mc:Choice xmlns:v="urn:schemas-microsoft-com:vml" Requires="v">
-                <p:oleObj spid="_x0000_s250887" name="Equation" r:id="rId12" imgW="1485900" imgH="762000" progId="Equation.DSMT4">
+                <p:oleObj spid="_x0000_s250890" name="Equation" r:id="rId12" imgW="1485900" imgH="762000" progId="Equation.DSMT4">
                   <p:embed/>
                 </p:oleObj>
               </mc:Choice>
@@ -33312,24 +32837,7 @@
                 <a:ea typeface="+mn-ea"/>
                 <a:cs typeface="+mn-cs"/>
               </a:rPr>
-              <a:t> </a:t>
-            </a:r>
-            <a:r>
-              <a:rPr kumimoji="0" lang="en-US" sz="1000" b="0" i="0" u="none" strike="noStrike" kern="1200" cap="none" spc="0" normalizeH="0" baseline="0" noProof="0" dirty="0" smtClean="0">
-                <a:ln>
-                  <a:noFill/>
-                </a:ln>
-                <a:solidFill>
-                  <a:schemeClr val="tx1"/>
-                </a:solidFill>
-                <a:effectLst/>
-                <a:uLnTx/>
-                <a:uFillTx/>
-                <a:latin typeface="Comic Sans MS" pitchFamily="66" charset="0"/>
-                <a:ea typeface="+mn-ea"/>
-                <a:cs typeface="+mn-cs"/>
-              </a:rPr>
-              <a:t>13W.</a:t>
+              <a:t> 13W.</a:t>
             </a:r>
             <a:fld id="{17233D2A-0857-4415-88C1-423492E69A26}" type="slidenum">
               <a:rPr kumimoji="0" lang="en-US" sz="1000" b="0" i="0" u="none" strike="noStrike" kern="1200" cap="none" spc="0" normalizeH="0" baseline="0" noProof="0" smtClean="0">
@@ -33642,24 +33150,7 @@
                 <a:ea typeface="+mn-ea"/>
                 <a:cs typeface="+mn-cs"/>
               </a:rPr>
-              <a:t> </a:t>
-            </a:r>
-            <a:r>
-              <a:rPr kumimoji="0" lang="en-US" sz="1000" b="0" i="0" u="none" strike="noStrike" kern="1200" cap="none" spc="0" normalizeH="0" baseline="0" noProof="0" dirty="0" smtClean="0">
-                <a:ln>
-                  <a:noFill/>
-                </a:ln>
-                <a:solidFill>
-                  <a:schemeClr val="tx1"/>
-                </a:solidFill>
-                <a:effectLst/>
-                <a:uLnTx/>
-                <a:uFillTx/>
-                <a:latin typeface="Comic Sans MS" pitchFamily="66" charset="0"/>
-                <a:ea typeface="+mn-ea"/>
-                <a:cs typeface="+mn-cs"/>
-              </a:rPr>
-              <a:t>13W.</a:t>
+              <a:t> 13W.</a:t>
             </a:r>
             <a:fld id="{17233D2A-0857-4415-88C1-423492E69A26}" type="slidenum">
               <a:rPr kumimoji="0" lang="en-US" sz="1000" b="0" i="0" u="none" strike="noStrike" kern="1200" cap="none" spc="0" normalizeH="0" baseline="0" noProof="0" smtClean="0">
@@ -33982,7 +33473,7 @@
           <a:graphicData uri="http://schemas.openxmlformats.org/presentationml/2006/ole">
             <mc:AlternateContent xmlns:mc="http://schemas.openxmlformats.org/markup-compatibility/2006">
               <mc:Choice xmlns:v="urn:schemas-microsoft-com:vml" Requires="v">
-                <p:oleObj spid="_x0000_s245767" name="Equation" r:id="rId4" imgW="2412720" imgH="469800" progId="Equation.DSMT4">
+                <p:oleObj spid="_x0000_s245770" name="Equation" r:id="rId4" imgW="2412720" imgH="469800" progId="Equation.DSMT4">
                   <p:embed/>
                 </p:oleObj>
               </mc:Choice>
@@ -34123,24 +33614,7 @@
                 <a:ea typeface="+mn-ea"/>
                 <a:cs typeface="+mn-cs"/>
               </a:rPr>
-              <a:t> </a:t>
-            </a:r>
-            <a:r>
-              <a:rPr kumimoji="0" lang="en-US" sz="1000" b="0" i="0" u="none" strike="noStrike" kern="1200" cap="none" spc="0" normalizeH="0" baseline="0" noProof="0" dirty="0" smtClean="0">
-                <a:ln>
-                  <a:noFill/>
-                </a:ln>
-                <a:solidFill>
-                  <a:schemeClr val="tx1"/>
-                </a:solidFill>
-                <a:effectLst/>
-                <a:uLnTx/>
-                <a:uFillTx/>
-                <a:latin typeface="Comic Sans MS" pitchFamily="66" charset="0"/>
-                <a:ea typeface="+mn-ea"/>
-                <a:cs typeface="+mn-cs"/>
-              </a:rPr>
-              <a:t>13W.</a:t>
+              <a:t> 13W.</a:t>
             </a:r>
             <a:fld id="{17233D2A-0857-4415-88C1-423492E69A26}" type="slidenum">
               <a:rPr kumimoji="0" lang="en-US" sz="1000" b="0" i="0" u="none" strike="noStrike" kern="1200" cap="none" spc="0" normalizeH="0" baseline="0" noProof="0" smtClean="0">
@@ -34614,24 +34088,7 @@
                 <a:ea typeface="+mn-ea"/>
                 <a:cs typeface="+mn-cs"/>
               </a:rPr>
-              <a:t> </a:t>
-            </a:r>
-            <a:r>
-              <a:rPr kumimoji="0" lang="en-US" sz="1000" b="0" i="0" u="none" strike="noStrike" kern="1200" cap="none" spc="0" normalizeH="0" baseline="0" noProof="0" dirty="0" smtClean="0">
-                <a:ln>
-                  <a:noFill/>
-                </a:ln>
-                <a:solidFill>
-                  <a:schemeClr val="tx1"/>
-                </a:solidFill>
-                <a:effectLst/>
-                <a:uLnTx/>
-                <a:uFillTx/>
-                <a:latin typeface="Comic Sans MS" pitchFamily="66" charset="0"/>
-                <a:ea typeface="+mn-ea"/>
-                <a:cs typeface="+mn-cs"/>
-              </a:rPr>
-              <a:t>13W.</a:t>
+              <a:t> 13W.</a:t>
             </a:r>
             <a:fld id="{17233D2A-0857-4415-88C1-423492E69A26}" type="slidenum">
               <a:rPr kumimoji="0" lang="en-US" sz="1000" b="0" i="0" u="none" strike="noStrike" kern="1200" cap="none" spc="0" normalizeH="0" baseline="0" noProof="0" smtClean="0">
@@ -34910,24 +34367,7 @@
                 <a:ea typeface="+mn-ea"/>
                 <a:cs typeface="+mn-cs"/>
               </a:rPr>
-              <a:t> </a:t>
-            </a:r>
-            <a:r>
-              <a:rPr kumimoji="0" lang="en-US" sz="1000" b="0" i="0" u="none" strike="noStrike" kern="1200" cap="none" spc="0" normalizeH="0" baseline="0" noProof="0" dirty="0" smtClean="0">
-                <a:ln>
-                  <a:noFill/>
-                </a:ln>
-                <a:solidFill>
-                  <a:schemeClr val="tx1"/>
-                </a:solidFill>
-                <a:effectLst/>
-                <a:uLnTx/>
-                <a:uFillTx/>
-                <a:latin typeface="Comic Sans MS" pitchFamily="66" charset="0"/>
-                <a:ea typeface="+mn-ea"/>
-                <a:cs typeface="+mn-cs"/>
-              </a:rPr>
-              <a:t>13W.</a:t>
+              <a:t> 13W.</a:t>
             </a:r>
             <a:fld id="{17233D2A-0857-4415-88C1-423492E69A26}" type="slidenum">
               <a:rPr kumimoji="0" lang="en-US" sz="1000" b="0" i="0" u="none" strike="noStrike" kern="1200" cap="none" spc="0" normalizeH="0" baseline="0" noProof="0" smtClean="0">
@@ -34985,13 +34425,13 @@
   <p:clrMapOvr>
     <a:masterClrMapping/>
   </p:clrMapOvr>
-  <mc:AlternateContent xmlns:mc="http://schemas.openxmlformats.org/markup-compatibility/2006">
-    <mc:Choice xmlns:p14="http://schemas.microsoft.com/office/powerpoint/2010/main" Requires="p14">
+  <mc:AlternateContent xmlns:mc="http://schemas.openxmlformats.org/markup-compatibility/2006" xmlns:p14="http://schemas.microsoft.com/office/powerpoint/2010/main">
+    <mc:Choice Requires="p14">
       <p:transition spd="med" p14:dur="700">
         <p:fade/>
       </p:transition>
     </mc:Choice>
-    <mc:Fallback>
+    <mc:Fallback xmlns="">
       <p:transition xmlns:p14="http://schemas.microsoft.com/office/powerpoint/2010/main" spd="med">
         <p:fade/>
       </p:transition>
@@ -35295,24 +34735,7 @@
                 <a:ea typeface="+mn-ea"/>
                 <a:cs typeface="+mn-cs"/>
               </a:rPr>
-              <a:t> </a:t>
-            </a:r>
-            <a:r>
-              <a:rPr kumimoji="0" lang="en-US" sz="1000" b="0" i="0" u="none" strike="noStrike" kern="1200" cap="none" spc="0" normalizeH="0" baseline="0" noProof="0" dirty="0" smtClean="0">
-                <a:ln>
-                  <a:noFill/>
-                </a:ln>
-                <a:solidFill>
-                  <a:schemeClr val="tx1"/>
-                </a:solidFill>
-                <a:effectLst/>
-                <a:uLnTx/>
-                <a:uFillTx/>
-                <a:latin typeface="Comic Sans MS" pitchFamily="66" charset="0"/>
-                <a:ea typeface="+mn-ea"/>
-                <a:cs typeface="+mn-cs"/>
-              </a:rPr>
-              <a:t>13W.</a:t>
+              <a:t> 13W.</a:t>
             </a:r>
             <a:fld id="{17233D2A-0857-4415-88C1-423492E69A26}" type="slidenum">
               <a:rPr kumimoji="0" lang="en-US" sz="1000" b="0" i="0" u="none" strike="noStrike" kern="1200" cap="none" spc="0" normalizeH="0" baseline="0" noProof="0" smtClean="0">
@@ -35675,24 +35098,7 @@
                 <a:ea typeface="+mn-ea"/>
                 <a:cs typeface="+mn-cs"/>
               </a:rPr>
-              <a:t> </a:t>
-            </a:r>
-            <a:r>
-              <a:rPr kumimoji="0" lang="en-US" sz="1000" b="0" i="0" u="none" strike="noStrike" kern="1200" cap="none" spc="0" normalizeH="0" baseline="0" noProof="0" dirty="0" smtClean="0">
-                <a:ln>
-                  <a:noFill/>
-                </a:ln>
-                <a:solidFill>
-                  <a:schemeClr val="tx1"/>
-                </a:solidFill>
-                <a:effectLst/>
-                <a:uLnTx/>
-                <a:uFillTx/>
-                <a:latin typeface="Comic Sans MS" pitchFamily="66" charset="0"/>
-                <a:ea typeface="+mn-ea"/>
-                <a:cs typeface="+mn-cs"/>
-              </a:rPr>
-              <a:t>13W.</a:t>
+              <a:t> 13W.</a:t>
             </a:r>
             <a:fld id="{17233D2A-0857-4415-88C1-423492E69A26}" type="slidenum">
               <a:rPr kumimoji="0" lang="en-US" sz="1000" b="0" i="0" u="none" strike="noStrike" kern="1200" cap="none" spc="0" normalizeH="0" baseline="0" noProof="0" smtClean="0">
@@ -36206,24 +35612,7 @@
                 <a:ea typeface="+mn-ea"/>
                 <a:cs typeface="+mn-cs"/>
               </a:rPr>
-              <a:t> </a:t>
-            </a:r>
-            <a:r>
-              <a:rPr kumimoji="0" lang="en-US" sz="1000" b="0" i="0" u="none" strike="noStrike" kern="1200" cap="none" spc="0" normalizeH="0" baseline="0" noProof="0" dirty="0" smtClean="0">
-                <a:ln>
-                  <a:noFill/>
-                </a:ln>
-                <a:solidFill>
-                  <a:schemeClr val="tx1"/>
-                </a:solidFill>
-                <a:effectLst/>
-                <a:uLnTx/>
-                <a:uFillTx/>
-                <a:latin typeface="Comic Sans MS" pitchFamily="66" charset="0"/>
-                <a:ea typeface="+mn-ea"/>
-                <a:cs typeface="+mn-cs"/>
-              </a:rPr>
-              <a:t>13W.</a:t>
+              <a:t> 13W.</a:t>
             </a:r>
             <a:fld id="{17233D2A-0857-4415-88C1-423492E69A26}" type="slidenum">
               <a:rPr kumimoji="0" lang="en-US" sz="1000" b="0" i="0" u="none" strike="noStrike" kern="1200" cap="none" spc="0" normalizeH="0" baseline="0" noProof="0" smtClean="0">
